--- a/TS 1 ppt.pptx
+++ b/TS 1 ppt.pptx
@@ -165,6 +165,2055 @@
 </pc:chgInfo>
 </file>
 
+<file path=ppt/charts/chart1.xml><?xml version="1.0" encoding="utf-8"?>
+<c:chartSpace xmlns:c="http://schemas.openxmlformats.org/drawingml/2006/chart" xmlns:a="http://schemas.openxmlformats.org/drawingml/2006/main" xmlns:r="http://schemas.openxmlformats.org/officeDocument/2006/relationships" xmlns:c16r2="http://schemas.microsoft.com/office/drawing/2015/06/chart">
+  <c:date1904 val="0"/>
+  <c:lang val="en-US"/>
+  <c:roundedCorners val="0"/>
+  <mc:AlternateContent xmlns:mc="http://schemas.openxmlformats.org/markup-compatibility/2006">
+    <mc:Choice xmlns:c14="http://schemas.microsoft.com/office/drawing/2007/8/2/chart" Requires="c14">
+      <c14:style val="102"/>
+    </mc:Choice>
+    <mc:Fallback>
+      <c:style val="2"/>
+    </mc:Fallback>
+  </mc:AlternateContent>
+  <c:pivotSource>
+    <c:name>[TS PROJECT.xlsx]Sheet5!PivotTable19</c:name>
+    <c:fmtId val="5"/>
+  </c:pivotSource>
+  <c:chart>
+    <c:title>
+      <c:tx>
+        <c:rich>
+          <a:bodyPr rot="0" spcFirstLastPara="1" vertOverflow="ellipsis" vert="horz" wrap="square" anchor="ctr" anchorCtr="1"/>
+          <a:lstStyle/>
+          <a:p>
+            <a:pPr>
+              <a:defRPr sz="1600" b="1" i="0" u="none" strike="noStrike" kern="1200" spc="100" baseline="0">
+                <a:solidFill>
+                  <a:schemeClr val="lt1">
+                    <a:lumMod val="95000"/>
+                  </a:schemeClr>
+                </a:solidFill>
+                <a:effectLst>
+                  <a:outerShdw blurRad="50800" dist="38100" dir="5400000" algn="t" rotWithShape="0">
+                    <a:prstClr val="black">
+                      <a:alpha val="40000"/>
+                    </a:prstClr>
+                  </a:outerShdw>
+                </a:effectLst>
+                <a:latin typeface="+mn-lt"/>
+                <a:ea typeface="+mn-ea"/>
+                <a:cs typeface="+mn-cs"/>
+              </a:defRPr>
+            </a:pPr>
+            <a:r>
+              <a:rPr lang="en-IN"/>
+              <a:t>Sum of SALARY by COMPANY</a:t>
+            </a:r>
+          </a:p>
+        </c:rich>
+      </c:tx>
+      <c:layout/>
+      <c:overlay val="0"/>
+      <c:spPr>
+        <a:noFill/>
+        <a:ln>
+          <a:noFill/>
+        </a:ln>
+        <a:effectLst/>
+      </c:spPr>
+      <c:txPr>
+        <a:bodyPr rot="0" spcFirstLastPara="1" vertOverflow="ellipsis" vert="horz" wrap="square" anchor="ctr" anchorCtr="1"/>
+        <a:lstStyle/>
+        <a:p>
+          <a:pPr>
+            <a:defRPr sz="1600" b="1" i="0" u="none" strike="noStrike" kern="1200" spc="100" baseline="0">
+              <a:solidFill>
+                <a:schemeClr val="lt1">
+                  <a:lumMod val="95000"/>
+                </a:schemeClr>
+              </a:solidFill>
+              <a:effectLst>
+                <a:outerShdw blurRad="50800" dist="38100" dir="5400000" algn="t" rotWithShape="0">
+                  <a:prstClr val="black">
+                    <a:alpha val="40000"/>
+                  </a:prstClr>
+                </a:outerShdw>
+              </a:effectLst>
+              <a:latin typeface="+mn-lt"/>
+              <a:ea typeface="+mn-ea"/>
+              <a:cs typeface="+mn-cs"/>
+            </a:defRPr>
+          </a:pPr>
+          <a:endParaRPr lang="en-US"/>
+        </a:p>
+      </c:txPr>
+    </c:title>
+    <c:autoTitleDeleted val="0"/>
+    <c:pivotFmts>
+      <c:pivotFmt>
+        <c:idx val="0"/>
+      </c:pivotFmt>
+      <c:pivotFmt>
+        <c:idx val="1"/>
+      </c:pivotFmt>
+      <c:pivotFmt>
+        <c:idx val="2"/>
+      </c:pivotFmt>
+      <c:pivotFmt>
+        <c:idx val="3"/>
+        <c:spPr>
+          <a:gradFill rotWithShape="1">
+            <a:gsLst>
+              <a:gs pos="0">
+                <a:schemeClr val="accent6">
+                  <a:satMod val="103000"/>
+                  <a:lumMod val="102000"/>
+                  <a:tint val="94000"/>
+                </a:schemeClr>
+              </a:gs>
+              <a:gs pos="50000">
+                <a:schemeClr val="accent6">
+                  <a:satMod val="110000"/>
+                  <a:lumMod val="100000"/>
+                  <a:shade val="100000"/>
+                </a:schemeClr>
+              </a:gs>
+              <a:gs pos="100000">
+                <a:schemeClr val="accent6">
+                  <a:lumMod val="99000"/>
+                  <a:satMod val="120000"/>
+                  <a:shade val="78000"/>
+                </a:schemeClr>
+              </a:gs>
+            </a:gsLst>
+            <a:lin ang="5400000" scaled="0"/>
+          </a:gradFill>
+          <a:ln>
+            <a:noFill/>
+          </a:ln>
+          <a:effectLst>
+            <a:outerShdw blurRad="57150" dist="19050" dir="5400000" algn="ctr" rotWithShape="0">
+              <a:srgbClr val="000000">
+                <a:alpha val="63000"/>
+              </a:srgbClr>
+            </a:outerShdw>
+          </a:effectLst>
+          <a:scene3d>
+            <a:camera prst="orthographicFront">
+              <a:rot lat="0" lon="0" rev="0"/>
+            </a:camera>
+            <a:lightRig rig="threePt" dir="t">
+              <a:rot lat="0" lon="0" rev="1200000"/>
+            </a:lightRig>
+          </a:scene3d>
+          <a:sp3d>
+            <a:bevelT w="63500" h="25400"/>
+          </a:sp3d>
+        </c:spPr>
+        <c:marker>
+          <c:symbol val="none"/>
+        </c:marker>
+      </c:pivotFmt>
+      <c:pivotFmt>
+        <c:idx val="4"/>
+        <c:spPr>
+          <a:gradFill rotWithShape="1">
+            <a:gsLst>
+              <a:gs pos="0">
+                <a:schemeClr val="accent6">
+                  <a:satMod val="103000"/>
+                  <a:lumMod val="102000"/>
+                  <a:tint val="94000"/>
+                </a:schemeClr>
+              </a:gs>
+              <a:gs pos="50000">
+                <a:schemeClr val="accent6">
+                  <a:satMod val="110000"/>
+                  <a:lumMod val="100000"/>
+                  <a:shade val="100000"/>
+                </a:schemeClr>
+              </a:gs>
+              <a:gs pos="100000">
+                <a:schemeClr val="accent6">
+                  <a:lumMod val="99000"/>
+                  <a:satMod val="120000"/>
+                  <a:shade val="78000"/>
+                </a:schemeClr>
+              </a:gs>
+            </a:gsLst>
+            <a:lin ang="5400000" scaled="0"/>
+          </a:gradFill>
+          <a:ln>
+            <a:noFill/>
+          </a:ln>
+          <a:effectLst>
+            <a:outerShdw blurRad="57150" dist="19050" dir="5400000" algn="ctr" rotWithShape="0">
+              <a:srgbClr val="000000">
+                <a:alpha val="63000"/>
+              </a:srgbClr>
+            </a:outerShdw>
+          </a:effectLst>
+          <a:scene3d>
+            <a:camera prst="orthographicFront">
+              <a:rot lat="0" lon="0" rev="0"/>
+            </a:camera>
+            <a:lightRig rig="threePt" dir="t">
+              <a:rot lat="0" lon="0" rev="1200000"/>
+            </a:lightRig>
+          </a:scene3d>
+          <a:sp3d>
+            <a:bevelT w="63500" h="25400"/>
+          </a:sp3d>
+        </c:spPr>
+        <c:marker>
+          <c:symbol val="none"/>
+        </c:marker>
+      </c:pivotFmt>
+      <c:pivotFmt>
+        <c:idx val="5"/>
+        <c:spPr>
+          <a:gradFill rotWithShape="1">
+            <a:gsLst>
+              <a:gs pos="0">
+                <a:schemeClr val="accent6">
+                  <a:satMod val="103000"/>
+                  <a:lumMod val="102000"/>
+                  <a:tint val="94000"/>
+                </a:schemeClr>
+              </a:gs>
+              <a:gs pos="50000">
+                <a:schemeClr val="accent6">
+                  <a:satMod val="110000"/>
+                  <a:lumMod val="100000"/>
+                  <a:shade val="100000"/>
+                </a:schemeClr>
+              </a:gs>
+              <a:gs pos="100000">
+                <a:schemeClr val="accent6">
+                  <a:lumMod val="99000"/>
+                  <a:satMod val="120000"/>
+                  <a:shade val="78000"/>
+                </a:schemeClr>
+              </a:gs>
+            </a:gsLst>
+            <a:lin ang="5400000" scaled="0"/>
+          </a:gradFill>
+          <a:ln>
+            <a:noFill/>
+          </a:ln>
+          <a:effectLst>
+            <a:outerShdw blurRad="57150" dist="19050" dir="5400000" algn="ctr" rotWithShape="0">
+              <a:srgbClr val="000000">
+                <a:alpha val="63000"/>
+              </a:srgbClr>
+            </a:outerShdw>
+          </a:effectLst>
+          <a:scene3d>
+            <a:camera prst="orthographicFront">
+              <a:rot lat="0" lon="0" rev="0"/>
+            </a:camera>
+            <a:lightRig rig="threePt" dir="t">
+              <a:rot lat="0" lon="0" rev="1200000"/>
+            </a:lightRig>
+          </a:scene3d>
+          <a:sp3d>
+            <a:bevelT w="63500" h="25400"/>
+          </a:sp3d>
+        </c:spPr>
+        <c:marker>
+          <c:symbol val="none"/>
+        </c:marker>
+      </c:pivotFmt>
+      <c:pivotFmt>
+        <c:idx val="6"/>
+        <c:spPr>
+          <a:gradFill rotWithShape="1">
+            <a:gsLst>
+              <a:gs pos="0">
+                <a:schemeClr val="accent6">
+                  <a:satMod val="103000"/>
+                  <a:lumMod val="102000"/>
+                  <a:tint val="94000"/>
+                </a:schemeClr>
+              </a:gs>
+              <a:gs pos="50000">
+                <a:schemeClr val="accent6">
+                  <a:satMod val="110000"/>
+                  <a:lumMod val="100000"/>
+                  <a:shade val="100000"/>
+                </a:schemeClr>
+              </a:gs>
+              <a:gs pos="100000">
+                <a:schemeClr val="accent6">
+                  <a:lumMod val="99000"/>
+                  <a:satMod val="120000"/>
+                  <a:shade val="78000"/>
+                </a:schemeClr>
+              </a:gs>
+            </a:gsLst>
+            <a:lin ang="5400000" scaled="0"/>
+          </a:gradFill>
+          <a:ln>
+            <a:noFill/>
+          </a:ln>
+          <a:effectLst>
+            <a:outerShdw blurRad="57150" dist="19050" dir="5400000" algn="ctr" rotWithShape="0">
+              <a:srgbClr val="000000">
+                <a:alpha val="63000"/>
+              </a:srgbClr>
+            </a:outerShdw>
+          </a:effectLst>
+          <a:scene3d>
+            <a:camera prst="orthographicFront">
+              <a:rot lat="0" lon="0" rev="0"/>
+            </a:camera>
+            <a:lightRig rig="threePt" dir="t">
+              <a:rot lat="0" lon="0" rev="1200000"/>
+            </a:lightRig>
+          </a:scene3d>
+          <a:sp3d>
+            <a:bevelT w="63500" h="25400"/>
+          </a:sp3d>
+        </c:spPr>
+        <c:marker>
+          <c:symbol val="none"/>
+        </c:marker>
+      </c:pivotFmt>
+      <c:pivotFmt>
+        <c:idx val="7"/>
+        <c:spPr>
+          <a:gradFill rotWithShape="1">
+            <a:gsLst>
+              <a:gs pos="0">
+                <a:schemeClr val="accent6">
+                  <a:satMod val="103000"/>
+                  <a:lumMod val="102000"/>
+                  <a:tint val="94000"/>
+                </a:schemeClr>
+              </a:gs>
+              <a:gs pos="50000">
+                <a:schemeClr val="accent6">
+                  <a:satMod val="110000"/>
+                  <a:lumMod val="100000"/>
+                  <a:shade val="100000"/>
+                </a:schemeClr>
+              </a:gs>
+              <a:gs pos="100000">
+                <a:schemeClr val="accent6">
+                  <a:lumMod val="99000"/>
+                  <a:satMod val="120000"/>
+                  <a:shade val="78000"/>
+                </a:schemeClr>
+              </a:gs>
+            </a:gsLst>
+            <a:lin ang="5400000" scaled="0"/>
+          </a:gradFill>
+          <a:ln>
+            <a:noFill/>
+          </a:ln>
+          <a:effectLst>
+            <a:outerShdw blurRad="57150" dist="19050" dir="5400000" algn="ctr" rotWithShape="0">
+              <a:srgbClr val="000000">
+                <a:alpha val="63000"/>
+              </a:srgbClr>
+            </a:outerShdw>
+          </a:effectLst>
+          <a:scene3d>
+            <a:camera prst="orthographicFront">
+              <a:rot lat="0" lon="0" rev="0"/>
+            </a:camera>
+            <a:lightRig rig="threePt" dir="t">
+              <a:rot lat="0" lon="0" rev="1200000"/>
+            </a:lightRig>
+          </a:scene3d>
+          <a:sp3d>
+            <a:bevelT w="63500" h="25400"/>
+          </a:sp3d>
+        </c:spPr>
+        <c:marker>
+          <c:symbol val="none"/>
+        </c:marker>
+      </c:pivotFmt>
+      <c:pivotFmt>
+        <c:idx val="8"/>
+        <c:spPr>
+          <a:gradFill rotWithShape="1">
+            <a:gsLst>
+              <a:gs pos="0">
+                <a:schemeClr val="accent6">
+                  <a:satMod val="103000"/>
+                  <a:lumMod val="102000"/>
+                  <a:tint val="94000"/>
+                </a:schemeClr>
+              </a:gs>
+              <a:gs pos="50000">
+                <a:schemeClr val="accent6">
+                  <a:satMod val="110000"/>
+                  <a:lumMod val="100000"/>
+                  <a:shade val="100000"/>
+                </a:schemeClr>
+              </a:gs>
+              <a:gs pos="100000">
+                <a:schemeClr val="accent6">
+                  <a:lumMod val="99000"/>
+                  <a:satMod val="120000"/>
+                  <a:shade val="78000"/>
+                </a:schemeClr>
+              </a:gs>
+            </a:gsLst>
+            <a:lin ang="5400000" scaled="0"/>
+          </a:gradFill>
+          <a:ln>
+            <a:noFill/>
+          </a:ln>
+          <a:effectLst>
+            <a:outerShdw blurRad="57150" dist="19050" dir="5400000" algn="ctr" rotWithShape="0">
+              <a:srgbClr val="000000">
+                <a:alpha val="63000"/>
+              </a:srgbClr>
+            </a:outerShdw>
+          </a:effectLst>
+          <a:scene3d>
+            <a:camera prst="orthographicFront">
+              <a:rot lat="0" lon="0" rev="0"/>
+            </a:camera>
+            <a:lightRig rig="threePt" dir="t">
+              <a:rot lat="0" lon="0" rev="1200000"/>
+            </a:lightRig>
+          </a:scene3d>
+          <a:sp3d>
+            <a:bevelT w="63500" h="25400"/>
+          </a:sp3d>
+        </c:spPr>
+        <c:marker>
+          <c:symbol val="none"/>
+        </c:marker>
+      </c:pivotFmt>
+      <c:pivotFmt>
+        <c:idx val="9"/>
+        <c:spPr>
+          <a:gradFill rotWithShape="1">
+            <a:gsLst>
+              <a:gs pos="0">
+                <a:schemeClr val="accent6">
+                  <a:satMod val="103000"/>
+                  <a:lumMod val="102000"/>
+                  <a:tint val="94000"/>
+                </a:schemeClr>
+              </a:gs>
+              <a:gs pos="50000">
+                <a:schemeClr val="accent6">
+                  <a:satMod val="110000"/>
+                  <a:lumMod val="100000"/>
+                  <a:shade val="100000"/>
+                </a:schemeClr>
+              </a:gs>
+              <a:gs pos="100000">
+                <a:schemeClr val="accent6">
+                  <a:lumMod val="99000"/>
+                  <a:satMod val="120000"/>
+                  <a:shade val="78000"/>
+                </a:schemeClr>
+              </a:gs>
+            </a:gsLst>
+            <a:lin ang="5400000" scaled="0"/>
+          </a:gradFill>
+          <a:ln>
+            <a:noFill/>
+          </a:ln>
+          <a:effectLst>
+            <a:outerShdw blurRad="57150" dist="19050" dir="5400000" algn="ctr" rotWithShape="0">
+              <a:srgbClr val="000000">
+                <a:alpha val="63000"/>
+              </a:srgbClr>
+            </a:outerShdw>
+          </a:effectLst>
+          <a:scene3d>
+            <a:camera prst="orthographicFront">
+              <a:rot lat="0" lon="0" rev="0"/>
+            </a:camera>
+            <a:lightRig rig="threePt" dir="t">
+              <a:rot lat="0" lon="0" rev="1200000"/>
+            </a:lightRig>
+          </a:scene3d>
+          <a:sp3d>
+            <a:bevelT w="63500" h="25400"/>
+          </a:sp3d>
+        </c:spPr>
+        <c:marker>
+          <c:symbol val="none"/>
+        </c:marker>
+      </c:pivotFmt>
+      <c:pivotFmt>
+        <c:idx val="10"/>
+        <c:spPr>
+          <a:gradFill rotWithShape="1">
+            <a:gsLst>
+              <a:gs pos="0">
+                <a:schemeClr val="accent6">
+                  <a:satMod val="103000"/>
+                  <a:lumMod val="102000"/>
+                  <a:tint val="94000"/>
+                </a:schemeClr>
+              </a:gs>
+              <a:gs pos="50000">
+                <a:schemeClr val="accent6">
+                  <a:satMod val="110000"/>
+                  <a:lumMod val="100000"/>
+                  <a:shade val="100000"/>
+                </a:schemeClr>
+              </a:gs>
+              <a:gs pos="100000">
+                <a:schemeClr val="accent6">
+                  <a:lumMod val="99000"/>
+                  <a:satMod val="120000"/>
+                  <a:shade val="78000"/>
+                </a:schemeClr>
+              </a:gs>
+            </a:gsLst>
+            <a:lin ang="5400000" scaled="0"/>
+          </a:gradFill>
+          <a:ln>
+            <a:noFill/>
+          </a:ln>
+          <a:effectLst>
+            <a:outerShdw blurRad="57150" dist="19050" dir="5400000" algn="ctr" rotWithShape="0">
+              <a:srgbClr val="000000">
+                <a:alpha val="63000"/>
+              </a:srgbClr>
+            </a:outerShdw>
+          </a:effectLst>
+          <a:scene3d>
+            <a:camera prst="orthographicFront">
+              <a:rot lat="0" lon="0" rev="0"/>
+            </a:camera>
+            <a:lightRig rig="threePt" dir="t">
+              <a:rot lat="0" lon="0" rev="1200000"/>
+            </a:lightRig>
+          </a:scene3d>
+          <a:sp3d>
+            <a:bevelT w="63500" h="25400"/>
+          </a:sp3d>
+        </c:spPr>
+        <c:marker>
+          <c:symbol val="none"/>
+        </c:marker>
+      </c:pivotFmt>
+      <c:pivotFmt>
+        <c:idx val="11"/>
+        <c:spPr>
+          <a:gradFill rotWithShape="1">
+            <a:gsLst>
+              <a:gs pos="0">
+                <a:schemeClr val="accent6">
+                  <a:satMod val="103000"/>
+                  <a:lumMod val="102000"/>
+                  <a:tint val="94000"/>
+                </a:schemeClr>
+              </a:gs>
+              <a:gs pos="50000">
+                <a:schemeClr val="accent6">
+                  <a:satMod val="110000"/>
+                  <a:lumMod val="100000"/>
+                  <a:shade val="100000"/>
+                </a:schemeClr>
+              </a:gs>
+              <a:gs pos="100000">
+                <a:schemeClr val="accent6">
+                  <a:lumMod val="99000"/>
+                  <a:satMod val="120000"/>
+                  <a:shade val="78000"/>
+                </a:schemeClr>
+              </a:gs>
+            </a:gsLst>
+            <a:lin ang="5400000" scaled="0"/>
+          </a:gradFill>
+          <a:ln>
+            <a:noFill/>
+          </a:ln>
+          <a:effectLst>
+            <a:outerShdw blurRad="57150" dist="19050" dir="5400000" algn="ctr" rotWithShape="0">
+              <a:srgbClr val="000000">
+                <a:alpha val="63000"/>
+              </a:srgbClr>
+            </a:outerShdw>
+          </a:effectLst>
+          <a:scene3d>
+            <a:camera prst="orthographicFront">
+              <a:rot lat="0" lon="0" rev="0"/>
+            </a:camera>
+            <a:lightRig rig="threePt" dir="t">
+              <a:rot lat="0" lon="0" rev="1200000"/>
+            </a:lightRig>
+          </a:scene3d>
+          <a:sp3d>
+            <a:bevelT w="63500" h="25400"/>
+          </a:sp3d>
+        </c:spPr>
+        <c:marker>
+          <c:symbol val="none"/>
+        </c:marker>
+      </c:pivotFmt>
+      <c:pivotFmt>
+        <c:idx val="12"/>
+        <c:spPr>
+          <a:gradFill rotWithShape="1">
+            <a:gsLst>
+              <a:gs pos="0">
+                <a:schemeClr val="accent6">
+                  <a:satMod val="103000"/>
+                  <a:lumMod val="102000"/>
+                  <a:tint val="94000"/>
+                </a:schemeClr>
+              </a:gs>
+              <a:gs pos="50000">
+                <a:schemeClr val="accent6">
+                  <a:satMod val="110000"/>
+                  <a:lumMod val="100000"/>
+                  <a:shade val="100000"/>
+                </a:schemeClr>
+              </a:gs>
+              <a:gs pos="100000">
+                <a:schemeClr val="accent6">
+                  <a:lumMod val="99000"/>
+                  <a:satMod val="120000"/>
+                  <a:shade val="78000"/>
+                </a:schemeClr>
+              </a:gs>
+            </a:gsLst>
+            <a:lin ang="5400000" scaled="0"/>
+          </a:gradFill>
+          <a:ln>
+            <a:noFill/>
+          </a:ln>
+          <a:effectLst>
+            <a:outerShdw blurRad="57150" dist="19050" dir="5400000" algn="ctr" rotWithShape="0">
+              <a:srgbClr val="000000">
+                <a:alpha val="63000"/>
+              </a:srgbClr>
+            </a:outerShdw>
+          </a:effectLst>
+          <a:scene3d>
+            <a:camera prst="orthographicFront">
+              <a:rot lat="0" lon="0" rev="0"/>
+            </a:camera>
+            <a:lightRig rig="threePt" dir="t">
+              <a:rot lat="0" lon="0" rev="1200000"/>
+            </a:lightRig>
+          </a:scene3d>
+          <a:sp3d>
+            <a:bevelT w="63500" h="25400"/>
+          </a:sp3d>
+        </c:spPr>
+        <c:marker>
+          <c:symbol val="none"/>
+        </c:marker>
+      </c:pivotFmt>
+      <c:pivotFmt>
+        <c:idx val="13"/>
+        <c:spPr>
+          <a:gradFill rotWithShape="1">
+            <a:gsLst>
+              <a:gs pos="0">
+                <a:schemeClr val="accent6">
+                  <a:satMod val="103000"/>
+                  <a:lumMod val="102000"/>
+                  <a:tint val="94000"/>
+                </a:schemeClr>
+              </a:gs>
+              <a:gs pos="50000">
+                <a:schemeClr val="accent6">
+                  <a:satMod val="110000"/>
+                  <a:lumMod val="100000"/>
+                  <a:shade val="100000"/>
+                </a:schemeClr>
+              </a:gs>
+              <a:gs pos="100000">
+                <a:schemeClr val="accent6">
+                  <a:lumMod val="99000"/>
+                  <a:satMod val="120000"/>
+                  <a:shade val="78000"/>
+                </a:schemeClr>
+              </a:gs>
+            </a:gsLst>
+            <a:lin ang="5400000" scaled="0"/>
+          </a:gradFill>
+          <a:ln>
+            <a:noFill/>
+          </a:ln>
+          <a:effectLst>
+            <a:outerShdw blurRad="57150" dist="19050" dir="5400000" algn="ctr" rotWithShape="0">
+              <a:srgbClr val="000000">
+                <a:alpha val="63000"/>
+              </a:srgbClr>
+            </a:outerShdw>
+          </a:effectLst>
+          <a:scene3d>
+            <a:camera prst="orthographicFront">
+              <a:rot lat="0" lon="0" rev="0"/>
+            </a:camera>
+            <a:lightRig rig="threePt" dir="t">
+              <a:rot lat="0" lon="0" rev="1200000"/>
+            </a:lightRig>
+          </a:scene3d>
+          <a:sp3d>
+            <a:bevelT w="63500" h="25400"/>
+          </a:sp3d>
+        </c:spPr>
+        <c:marker>
+          <c:symbol val="none"/>
+        </c:marker>
+      </c:pivotFmt>
+      <c:pivotFmt>
+        <c:idx val="14"/>
+        <c:spPr>
+          <a:gradFill rotWithShape="1">
+            <a:gsLst>
+              <a:gs pos="0">
+                <a:schemeClr val="accent6">
+                  <a:satMod val="103000"/>
+                  <a:lumMod val="102000"/>
+                  <a:tint val="94000"/>
+                </a:schemeClr>
+              </a:gs>
+              <a:gs pos="50000">
+                <a:schemeClr val="accent6">
+                  <a:satMod val="110000"/>
+                  <a:lumMod val="100000"/>
+                  <a:shade val="100000"/>
+                </a:schemeClr>
+              </a:gs>
+              <a:gs pos="100000">
+                <a:schemeClr val="accent6">
+                  <a:lumMod val="99000"/>
+                  <a:satMod val="120000"/>
+                  <a:shade val="78000"/>
+                </a:schemeClr>
+              </a:gs>
+            </a:gsLst>
+            <a:lin ang="5400000" scaled="0"/>
+          </a:gradFill>
+          <a:ln>
+            <a:noFill/>
+          </a:ln>
+          <a:effectLst>
+            <a:outerShdw blurRad="57150" dist="19050" dir="5400000" algn="ctr" rotWithShape="0">
+              <a:srgbClr val="000000">
+                <a:alpha val="63000"/>
+              </a:srgbClr>
+            </a:outerShdw>
+          </a:effectLst>
+          <a:scene3d>
+            <a:camera prst="orthographicFront">
+              <a:rot lat="0" lon="0" rev="0"/>
+            </a:camera>
+            <a:lightRig rig="threePt" dir="t">
+              <a:rot lat="0" lon="0" rev="1200000"/>
+            </a:lightRig>
+          </a:scene3d>
+          <a:sp3d>
+            <a:bevelT w="63500" h="25400"/>
+          </a:sp3d>
+        </c:spPr>
+        <c:marker>
+          <c:symbol val="none"/>
+        </c:marker>
+      </c:pivotFmt>
+      <c:pivotFmt>
+        <c:idx val="15"/>
+        <c:spPr>
+          <a:gradFill rotWithShape="1">
+            <a:gsLst>
+              <a:gs pos="0">
+                <a:schemeClr val="accent6">
+                  <a:satMod val="103000"/>
+                  <a:lumMod val="102000"/>
+                  <a:tint val="94000"/>
+                </a:schemeClr>
+              </a:gs>
+              <a:gs pos="50000">
+                <a:schemeClr val="accent6">
+                  <a:satMod val="110000"/>
+                  <a:lumMod val="100000"/>
+                  <a:shade val="100000"/>
+                </a:schemeClr>
+              </a:gs>
+              <a:gs pos="100000">
+                <a:schemeClr val="accent6">
+                  <a:lumMod val="99000"/>
+                  <a:satMod val="120000"/>
+                  <a:shade val="78000"/>
+                </a:schemeClr>
+              </a:gs>
+            </a:gsLst>
+            <a:lin ang="5400000" scaled="0"/>
+          </a:gradFill>
+          <a:ln>
+            <a:noFill/>
+          </a:ln>
+          <a:effectLst>
+            <a:outerShdw blurRad="57150" dist="19050" dir="5400000" algn="ctr" rotWithShape="0">
+              <a:srgbClr val="000000">
+                <a:alpha val="63000"/>
+              </a:srgbClr>
+            </a:outerShdw>
+          </a:effectLst>
+          <a:scene3d>
+            <a:camera prst="orthographicFront">
+              <a:rot lat="0" lon="0" rev="0"/>
+            </a:camera>
+            <a:lightRig rig="threePt" dir="t">
+              <a:rot lat="0" lon="0" rev="1200000"/>
+            </a:lightRig>
+          </a:scene3d>
+          <a:sp3d>
+            <a:bevelT w="63500" h="25400"/>
+          </a:sp3d>
+        </c:spPr>
+        <c:marker>
+          <c:symbol val="none"/>
+        </c:marker>
+      </c:pivotFmt>
+      <c:pivotFmt>
+        <c:idx val="16"/>
+        <c:spPr>
+          <a:gradFill rotWithShape="1">
+            <a:gsLst>
+              <a:gs pos="0">
+                <a:schemeClr val="accent6">
+                  <a:satMod val="103000"/>
+                  <a:lumMod val="102000"/>
+                  <a:tint val="94000"/>
+                </a:schemeClr>
+              </a:gs>
+              <a:gs pos="50000">
+                <a:schemeClr val="accent6">
+                  <a:satMod val="110000"/>
+                  <a:lumMod val="100000"/>
+                  <a:shade val="100000"/>
+                </a:schemeClr>
+              </a:gs>
+              <a:gs pos="100000">
+                <a:schemeClr val="accent6">
+                  <a:lumMod val="99000"/>
+                  <a:satMod val="120000"/>
+                  <a:shade val="78000"/>
+                </a:schemeClr>
+              </a:gs>
+            </a:gsLst>
+            <a:lin ang="5400000" scaled="0"/>
+          </a:gradFill>
+          <a:ln>
+            <a:noFill/>
+          </a:ln>
+          <a:effectLst>
+            <a:outerShdw blurRad="57150" dist="19050" dir="5400000" algn="ctr" rotWithShape="0">
+              <a:srgbClr val="000000">
+                <a:alpha val="63000"/>
+              </a:srgbClr>
+            </a:outerShdw>
+          </a:effectLst>
+          <a:scene3d>
+            <a:camera prst="orthographicFront">
+              <a:rot lat="0" lon="0" rev="0"/>
+            </a:camera>
+            <a:lightRig rig="threePt" dir="t">
+              <a:rot lat="0" lon="0" rev="1200000"/>
+            </a:lightRig>
+          </a:scene3d>
+          <a:sp3d>
+            <a:bevelT w="63500" h="25400"/>
+          </a:sp3d>
+        </c:spPr>
+        <c:marker>
+          <c:symbol val="none"/>
+        </c:marker>
+      </c:pivotFmt>
+      <c:pivotFmt>
+        <c:idx val="17"/>
+        <c:spPr>
+          <a:gradFill rotWithShape="1">
+            <a:gsLst>
+              <a:gs pos="0">
+                <a:schemeClr val="accent6">
+                  <a:satMod val="103000"/>
+                  <a:lumMod val="102000"/>
+                  <a:tint val="94000"/>
+                </a:schemeClr>
+              </a:gs>
+              <a:gs pos="50000">
+                <a:schemeClr val="accent6">
+                  <a:satMod val="110000"/>
+                  <a:lumMod val="100000"/>
+                  <a:shade val="100000"/>
+                </a:schemeClr>
+              </a:gs>
+              <a:gs pos="100000">
+                <a:schemeClr val="accent6">
+                  <a:lumMod val="99000"/>
+                  <a:satMod val="120000"/>
+                  <a:shade val="78000"/>
+                </a:schemeClr>
+              </a:gs>
+            </a:gsLst>
+            <a:lin ang="5400000" scaled="0"/>
+          </a:gradFill>
+          <a:ln>
+            <a:noFill/>
+          </a:ln>
+          <a:effectLst>
+            <a:outerShdw blurRad="57150" dist="19050" dir="5400000" algn="ctr" rotWithShape="0">
+              <a:srgbClr val="000000">
+                <a:alpha val="63000"/>
+              </a:srgbClr>
+            </a:outerShdw>
+          </a:effectLst>
+          <a:scene3d>
+            <a:camera prst="orthographicFront">
+              <a:rot lat="0" lon="0" rev="0"/>
+            </a:camera>
+            <a:lightRig rig="threePt" dir="t">
+              <a:rot lat="0" lon="0" rev="1200000"/>
+            </a:lightRig>
+          </a:scene3d>
+          <a:sp3d>
+            <a:bevelT w="63500" h="25400"/>
+          </a:sp3d>
+        </c:spPr>
+        <c:marker>
+          <c:symbol val="none"/>
+        </c:marker>
+      </c:pivotFmt>
+      <c:pivotFmt>
+        <c:idx val="18"/>
+        <c:spPr>
+          <a:gradFill rotWithShape="1">
+            <a:gsLst>
+              <a:gs pos="0">
+                <a:schemeClr val="accent6">
+                  <a:satMod val="103000"/>
+                  <a:lumMod val="102000"/>
+                  <a:tint val="94000"/>
+                </a:schemeClr>
+              </a:gs>
+              <a:gs pos="50000">
+                <a:schemeClr val="accent6">
+                  <a:satMod val="110000"/>
+                  <a:lumMod val="100000"/>
+                  <a:shade val="100000"/>
+                </a:schemeClr>
+              </a:gs>
+              <a:gs pos="100000">
+                <a:schemeClr val="accent6">
+                  <a:lumMod val="99000"/>
+                  <a:satMod val="120000"/>
+                  <a:shade val="78000"/>
+                </a:schemeClr>
+              </a:gs>
+            </a:gsLst>
+            <a:lin ang="5400000" scaled="0"/>
+          </a:gradFill>
+          <a:ln>
+            <a:noFill/>
+          </a:ln>
+          <a:effectLst>
+            <a:outerShdw blurRad="57150" dist="19050" dir="5400000" algn="ctr" rotWithShape="0">
+              <a:srgbClr val="000000">
+                <a:alpha val="63000"/>
+              </a:srgbClr>
+            </a:outerShdw>
+          </a:effectLst>
+          <a:scene3d>
+            <a:camera prst="orthographicFront">
+              <a:rot lat="0" lon="0" rev="0"/>
+            </a:camera>
+            <a:lightRig rig="threePt" dir="t">
+              <a:rot lat="0" lon="0" rev="1200000"/>
+            </a:lightRig>
+          </a:scene3d>
+          <a:sp3d>
+            <a:bevelT w="63500" h="25400"/>
+          </a:sp3d>
+        </c:spPr>
+        <c:marker>
+          <c:symbol val="none"/>
+        </c:marker>
+      </c:pivotFmt>
+    </c:pivotFmts>
+    <c:plotArea>
+      <c:layout/>
+      <c:barChart>
+        <c:barDir val="col"/>
+        <c:grouping val="clustered"/>
+        <c:varyColors val="0"/>
+        <c:ser>
+          <c:idx val="0"/>
+          <c:order val="0"/>
+          <c:tx>
+            <c:strRef>
+              <c:f>Sheet5!$B$3:$B$4</c:f>
+              <c:strCache>
+                <c:ptCount val="1"/>
+                <c:pt idx="0">
+                  <c:v>Cheerper</c:v>
+                </c:pt>
+              </c:strCache>
+            </c:strRef>
+          </c:tx>
+          <c:spPr>
+            <a:gradFill rotWithShape="1">
+              <a:gsLst>
+                <a:gs pos="0">
+                  <a:schemeClr val="accent6">
+                    <a:satMod val="103000"/>
+                    <a:lumMod val="102000"/>
+                    <a:tint val="94000"/>
+                  </a:schemeClr>
+                </a:gs>
+                <a:gs pos="50000">
+                  <a:schemeClr val="accent6">
+                    <a:satMod val="110000"/>
+                    <a:lumMod val="100000"/>
+                    <a:shade val="100000"/>
+                  </a:schemeClr>
+                </a:gs>
+                <a:gs pos="100000">
+                  <a:schemeClr val="accent6">
+                    <a:lumMod val="99000"/>
+                    <a:satMod val="120000"/>
+                    <a:shade val="78000"/>
+                  </a:schemeClr>
+                </a:gs>
+              </a:gsLst>
+              <a:lin ang="5400000" scaled="0"/>
+            </a:gradFill>
+            <a:ln>
+              <a:noFill/>
+            </a:ln>
+            <a:effectLst>
+              <a:outerShdw blurRad="57150" dist="19050" dir="5400000" algn="ctr" rotWithShape="0">
+                <a:srgbClr val="000000">
+                  <a:alpha val="63000"/>
+                </a:srgbClr>
+              </a:outerShdw>
+            </a:effectLst>
+            <a:scene3d>
+              <a:camera prst="orthographicFront">
+                <a:rot lat="0" lon="0" rev="0"/>
+              </a:camera>
+              <a:lightRig rig="threePt" dir="t">
+                <a:rot lat="0" lon="0" rev="1200000"/>
+              </a:lightRig>
+            </a:scene3d>
+            <a:sp3d>
+              <a:bevelT w="63500" h="25400"/>
+            </a:sp3d>
+          </c:spPr>
+          <c:invertIfNegative val="0"/>
+          <c:cat>
+            <c:strRef>
+              <c:f>Sheet5!$A$5:$A$10</c:f>
+              <c:strCache>
+                <c:ptCount val="6"/>
+                <c:pt idx="0">
+                  <c:v>AI</c:v>
+                </c:pt>
+                <c:pt idx="1">
+                  <c:v>BigData</c:v>
+                </c:pt>
+                <c:pt idx="2">
+                  <c:v>Design</c:v>
+                </c:pt>
+                <c:pt idx="3">
+                  <c:v>Sales</c:v>
+                </c:pt>
+                <c:pt idx="4">
+                  <c:v>Search Engine</c:v>
+                </c:pt>
+                <c:pt idx="5">
+                  <c:v>Support</c:v>
+                </c:pt>
+              </c:strCache>
+            </c:strRef>
+          </c:cat>
+          <c:val>
+            <c:numRef>
+              <c:f>Sheet5!$B$5:$B$10</c:f>
+              <c:numCache>
+                <c:formatCode>General</c:formatCode>
+                <c:ptCount val="6"/>
+                <c:pt idx="1">
+                  <c:v>119684.9132745471</c:v>
+                </c:pt>
+                <c:pt idx="4">
+                  <c:v>106540.15446138399</c:v>
+                </c:pt>
+                <c:pt idx="5">
+                  <c:v>155125.05310476699</c:v>
+                </c:pt>
+              </c:numCache>
+            </c:numRef>
+          </c:val>
+          <c:extLst>
+            <c:ext xmlns:c16="http://schemas.microsoft.com/office/drawing/2014/chart" uri="{C3380CC4-5D6E-409C-BE32-E72D297353CC}">
+              <c16:uniqueId val="{00000000-C51E-405C-9B18-7F1212F1F56F}"/>
+            </c:ext>
+          </c:extLst>
+        </c:ser>
+        <c:ser>
+          <c:idx val="1"/>
+          <c:order val="1"/>
+          <c:tx>
+            <c:strRef>
+              <c:f>Sheet5!$C$3:$C$4</c:f>
+              <c:strCache>
+                <c:ptCount val="1"/>
+                <c:pt idx="0">
+                  <c:v>Glasses</c:v>
+                </c:pt>
+              </c:strCache>
+            </c:strRef>
+          </c:tx>
+          <c:spPr>
+            <a:gradFill rotWithShape="1">
+              <a:gsLst>
+                <a:gs pos="0">
+                  <a:schemeClr val="accent5">
+                    <a:satMod val="103000"/>
+                    <a:lumMod val="102000"/>
+                    <a:tint val="94000"/>
+                  </a:schemeClr>
+                </a:gs>
+                <a:gs pos="50000">
+                  <a:schemeClr val="accent5">
+                    <a:satMod val="110000"/>
+                    <a:lumMod val="100000"/>
+                    <a:shade val="100000"/>
+                  </a:schemeClr>
+                </a:gs>
+                <a:gs pos="100000">
+                  <a:schemeClr val="accent5">
+                    <a:lumMod val="99000"/>
+                    <a:satMod val="120000"/>
+                    <a:shade val="78000"/>
+                  </a:schemeClr>
+                </a:gs>
+              </a:gsLst>
+              <a:lin ang="5400000" scaled="0"/>
+            </a:gradFill>
+            <a:ln>
+              <a:noFill/>
+            </a:ln>
+            <a:effectLst>
+              <a:outerShdw blurRad="57150" dist="19050" dir="5400000" algn="ctr" rotWithShape="0">
+                <a:srgbClr val="000000">
+                  <a:alpha val="63000"/>
+                </a:srgbClr>
+              </a:outerShdw>
+            </a:effectLst>
+            <a:scene3d>
+              <a:camera prst="orthographicFront">
+                <a:rot lat="0" lon="0" rev="0"/>
+              </a:camera>
+              <a:lightRig rig="threePt" dir="t">
+                <a:rot lat="0" lon="0" rev="1200000"/>
+              </a:lightRig>
+            </a:scene3d>
+            <a:sp3d>
+              <a:bevelT w="63500" h="25400"/>
+            </a:sp3d>
+          </c:spPr>
+          <c:invertIfNegative val="0"/>
+          <c:cat>
+            <c:strRef>
+              <c:f>Sheet5!$A$5:$A$10</c:f>
+              <c:strCache>
+                <c:ptCount val="6"/>
+                <c:pt idx="0">
+                  <c:v>AI</c:v>
+                </c:pt>
+                <c:pt idx="1">
+                  <c:v>BigData</c:v>
+                </c:pt>
+                <c:pt idx="2">
+                  <c:v>Design</c:v>
+                </c:pt>
+                <c:pt idx="3">
+                  <c:v>Sales</c:v>
+                </c:pt>
+                <c:pt idx="4">
+                  <c:v>Search Engine</c:v>
+                </c:pt>
+                <c:pt idx="5">
+                  <c:v>Support</c:v>
+                </c:pt>
+              </c:strCache>
+            </c:strRef>
+          </c:cat>
+          <c:val>
+            <c:numRef>
+              <c:f>Sheet5!$C$5:$C$10</c:f>
+              <c:numCache>
+                <c:formatCode>General</c:formatCode>
+                <c:ptCount val="6"/>
+                <c:pt idx="0">
+                  <c:v>49092.147458121697</c:v>
+                </c:pt>
+                <c:pt idx="1">
+                  <c:v>68074.971354126596</c:v>
+                </c:pt>
+                <c:pt idx="2">
+                  <c:v>328435.87468648818</c:v>
+                </c:pt>
+                <c:pt idx="4">
+                  <c:v>370922.96953838103</c:v>
+                </c:pt>
+                <c:pt idx="5">
+                  <c:v>40000</c:v>
+                </c:pt>
+              </c:numCache>
+            </c:numRef>
+          </c:val>
+          <c:extLst>
+            <c:ext xmlns:c16="http://schemas.microsoft.com/office/drawing/2014/chart" uri="{C3380CC4-5D6E-409C-BE32-E72D297353CC}">
+              <c16:uniqueId val="{00000001-C51E-405C-9B18-7F1212F1F56F}"/>
+            </c:ext>
+          </c:extLst>
+        </c:ser>
+        <c:ser>
+          <c:idx val="2"/>
+          <c:order val="2"/>
+          <c:tx>
+            <c:strRef>
+              <c:f>Sheet5!$D$3:$D$4</c:f>
+              <c:strCache>
+                <c:ptCount val="1"/>
+                <c:pt idx="0">
+                  <c:v>Pear</c:v>
+                </c:pt>
+              </c:strCache>
+            </c:strRef>
+          </c:tx>
+          <c:spPr>
+            <a:gradFill rotWithShape="1">
+              <a:gsLst>
+                <a:gs pos="0">
+                  <a:schemeClr val="accent4">
+                    <a:satMod val="103000"/>
+                    <a:lumMod val="102000"/>
+                    <a:tint val="94000"/>
+                  </a:schemeClr>
+                </a:gs>
+                <a:gs pos="50000">
+                  <a:schemeClr val="accent4">
+                    <a:satMod val="110000"/>
+                    <a:lumMod val="100000"/>
+                    <a:shade val="100000"/>
+                  </a:schemeClr>
+                </a:gs>
+                <a:gs pos="100000">
+                  <a:schemeClr val="accent4">
+                    <a:lumMod val="99000"/>
+                    <a:satMod val="120000"/>
+                    <a:shade val="78000"/>
+                  </a:schemeClr>
+                </a:gs>
+              </a:gsLst>
+              <a:lin ang="5400000" scaled="0"/>
+            </a:gradFill>
+            <a:ln>
+              <a:noFill/>
+            </a:ln>
+            <a:effectLst>
+              <a:outerShdw blurRad="57150" dist="19050" dir="5400000" algn="ctr" rotWithShape="0">
+                <a:srgbClr val="000000">
+                  <a:alpha val="63000"/>
+                </a:srgbClr>
+              </a:outerShdw>
+            </a:effectLst>
+            <a:scene3d>
+              <a:camera prst="orthographicFront">
+                <a:rot lat="0" lon="0" rev="0"/>
+              </a:camera>
+              <a:lightRig rig="threePt" dir="t">
+                <a:rot lat="0" lon="0" rev="1200000"/>
+              </a:lightRig>
+            </a:scene3d>
+            <a:sp3d>
+              <a:bevelT w="63500" h="25400"/>
+            </a:sp3d>
+          </c:spPr>
+          <c:invertIfNegative val="0"/>
+          <c:cat>
+            <c:strRef>
+              <c:f>Sheet5!$A$5:$A$10</c:f>
+              <c:strCache>
+                <c:ptCount val="6"/>
+                <c:pt idx="0">
+                  <c:v>AI</c:v>
+                </c:pt>
+                <c:pt idx="1">
+                  <c:v>BigData</c:v>
+                </c:pt>
+                <c:pt idx="2">
+                  <c:v>Design</c:v>
+                </c:pt>
+                <c:pt idx="3">
+                  <c:v>Sales</c:v>
+                </c:pt>
+                <c:pt idx="4">
+                  <c:v>Search Engine</c:v>
+                </c:pt>
+                <c:pt idx="5">
+                  <c:v>Support</c:v>
+                </c:pt>
+              </c:strCache>
+            </c:strRef>
+          </c:cat>
+          <c:val>
+            <c:numRef>
+              <c:f>Sheet5!$D$5:$D$10</c:f>
+              <c:numCache>
+                <c:formatCode>General</c:formatCode>
+                <c:ptCount val="6"/>
+                <c:pt idx="2">
+                  <c:v>225350.597143483</c:v>
+                </c:pt>
+                <c:pt idx="3">
+                  <c:v>115645.633795949</c:v>
+                </c:pt>
+              </c:numCache>
+            </c:numRef>
+          </c:val>
+          <c:extLst>
+            <c:ext xmlns:c16="http://schemas.microsoft.com/office/drawing/2014/chart" uri="{C3380CC4-5D6E-409C-BE32-E72D297353CC}">
+              <c16:uniqueId val="{00000002-C51E-405C-9B18-7F1212F1F56F}"/>
+            </c:ext>
+          </c:extLst>
+        </c:ser>
+        <c:dLbls>
+          <c:showLegendKey val="0"/>
+          <c:showVal val="0"/>
+          <c:showCatName val="0"/>
+          <c:showSerName val="0"/>
+          <c:showPercent val="0"/>
+          <c:showBubbleSize val="0"/>
+        </c:dLbls>
+        <c:gapWidth val="100"/>
+        <c:overlap val="-24"/>
+        <c:axId val="1521654943"/>
+        <c:axId val="1521652031"/>
+      </c:barChart>
+      <c:catAx>
+        <c:axId val="1521654943"/>
+        <c:scaling>
+          <c:orientation val="minMax"/>
+        </c:scaling>
+        <c:delete val="0"/>
+        <c:axPos val="b"/>
+        <c:numFmt formatCode="General" sourceLinked="1"/>
+        <c:majorTickMark val="none"/>
+        <c:minorTickMark val="none"/>
+        <c:tickLblPos val="nextTo"/>
+        <c:spPr>
+          <a:noFill/>
+          <a:ln w="12700" cap="flat" cmpd="sng" algn="ctr">
+            <a:solidFill>
+              <a:schemeClr val="lt1">
+                <a:lumMod val="95000"/>
+                <a:alpha val="54000"/>
+              </a:schemeClr>
+            </a:solidFill>
+            <a:round/>
+          </a:ln>
+          <a:effectLst/>
+        </c:spPr>
+        <c:txPr>
+          <a:bodyPr rot="-60000000" spcFirstLastPara="1" vertOverflow="ellipsis" vert="horz" wrap="square" anchor="ctr" anchorCtr="1"/>
+          <a:lstStyle/>
+          <a:p>
+            <a:pPr>
+              <a:defRPr sz="900" b="0" i="0" u="none" strike="noStrike" kern="1200" baseline="0">
+                <a:solidFill>
+                  <a:schemeClr val="lt1">
+                    <a:lumMod val="85000"/>
+                  </a:schemeClr>
+                </a:solidFill>
+                <a:latin typeface="+mn-lt"/>
+                <a:ea typeface="+mn-ea"/>
+                <a:cs typeface="+mn-cs"/>
+              </a:defRPr>
+            </a:pPr>
+            <a:endParaRPr lang="en-US"/>
+          </a:p>
+        </c:txPr>
+        <c:crossAx val="1521652031"/>
+        <c:crosses val="autoZero"/>
+        <c:auto val="1"/>
+        <c:lblAlgn val="ctr"/>
+        <c:lblOffset val="100"/>
+        <c:noMultiLvlLbl val="0"/>
+      </c:catAx>
+      <c:valAx>
+        <c:axId val="1521652031"/>
+        <c:scaling>
+          <c:orientation val="minMax"/>
+        </c:scaling>
+        <c:delete val="0"/>
+        <c:axPos val="l"/>
+        <c:majorGridlines>
+          <c:spPr>
+            <a:ln w="9525" cap="flat" cmpd="sng" algn="ctr">
+              <a:solidFill>
+                <a:schemeClr val="lt1">
+                  <a:lumMod val="95000"/>
+                  <a:alpha val="10000"/>
+                </a:schemeClr>
+              </a:solidFill>
+              <a:round/>
+            </a:ln>
+            <a:effectLst/>
+          </c:spPr>
+        </c:majorGridlines>
+        <c:numFmt formatCode="General" sourceLinked="1"/>
+        <c:majorTickMark val="none"/>
+        <c:minorTickMark val="none"/>
+        <c:tickLblPos val="nextTo"/>
+        <c:spPr>
+          <a:noFill/>
+          <a:ln>
+            <a:noFill/>
+          </a:ln>
+          <a:effectLst/>
+        </c:spPr>
+        <c:txPr>
+          <a:bodyPr rot="-60000000" spcFirstLastPara="1" vertOverflow="ellipsis" vert="horz" wrap="square" anchor="ctr" anchorCtr="1"/>
+          <a:lstStyle/>
+          <a:p>
+            <a:pPr>
+              <a:defRPr sz="900" b="0" i="0" u="none" strike="noStrike" kern="1200" baseline="0">
+                <a:solidFill>
+                  <a:schemeClr val="lt1">
+                    <a:lumMod val="85000"/>
+                  </a:schemeClr>
+                </a:solidFill>
+                <a:latin typeface="+mn-lt"/>
+                <a:ea typeface="+mn-ea"/>
+                <a:cs typeface="+mn-cs"/>
+              </a:defRPr>
+            </a:pPr>
+            <a:endParaRPr lang="en-US"/>
+          </a:p>
+        </c:txPr>
+        <c:crossAx val="1521654943"/>
+        <c:crosses val="autoZero"/>
+        <c:crossBetween val="between"/>
+      </c:valAx>
+      <c:spPr>
+        <a:noFill/>
+        <a:ln>
+          <a:noFill/>
+        </a:ln>
+        <a:effectLst/>
+      </c:spPr>
+    </c:plotArea>
+    <c:plotVisOnly val="1"/>
+    <c:dispBlanksAs val="gap"/>
+    <c:showDLblsOverMax val="0"/>
+  </c:chart>
+  <c:spPr>
+    <a:gradFill flip="none" rotWithShape="1">
+      <a:gsLst>
+        <a:gs pos="0">
+          <a:schemeClr val="dk1">
+            <a:lumMod val="65000"/>
+            <a:lumOff val="35000"/>
+          </a:schemeClr>
+        </a:gs>
+        <a:gs pos="100000">
+          <a:schemeClr val="dk1">
+            <a:lumMod val="85000"/>
+            <a:lumOff val="15000"/>
+          </a:schemeClr>
+        </a:gs>
+      </a:gsLst>
+      <a:path path="circle">
+        <a:fillToRect l="50000" t="50000" r="50000" b="50000"/>
+      </a:path>
+      <a:tileRect/>
+    </a:gradFill>
+    <a:ln>
+      <a:noFill/>
+    </a:ln>
+    <a:effectLst/>
+  </c:spPr>
+  <c:txPr>
+    <a:bodyPr/>
+    <a:lstStyle/>
+    <a:p>
+      <a:pPr>
+        <a:defRPr/>
+      </a:pPr>
+      <a:endParaRPr lang="en-US"/>
+    </a:p>
+  </c:txPr>
+  <c:externalData r:id="rId3">
+    <c:autoUpdate val="0"/>
+  </c:externalData>
+  <c:extLst>
+    <c:ext xmlns:c14="http://schemas.microsoft.com/office/drawing/2007/8/2/chart" uri="{781A3756-C4B2-4CAC-9D66-4F8BD8637D16}">
+      <c14:pivotOptions>
+        <c14:dropZoneFilter val="1"/>
+        <c14:dropZoneCategories val="1"/>
+        <c14:dropZoneData val="1"/>
+        <c14:dropZonesVisible val="1"/>
+      </c14:pivotOptions>
+    </c:ext>
+    <c:ext xmlns:c16="http://schemas.microsoft.com/office/drawing/2014/chart" uri="{E28EC0CA-F0BB-4C9C-879D-F8772B89E7AC}">
+      <c16:pivotOptions16>
+        <c16:showExpandCollapseFieldButtons val="1"/>
+      </c16:pivotOptions16>
+    </c:ext>
+  </c:extLst>
+</c:chartSpace>
+</file>
+
+<file path=ppt/charts/colors1.xml><?xml version="1.0" encoding="utf-8"?>
+<cs:colorStyle xmlns:cs="http://schemas.microsoft.com/office/drawing/2012/chartStyle" xmlns:a="http://schemas.openxmlformats.org/drawingml/2006/main" meth="cycle" id="13">
+  <a:schemeClr val="accent6"/>
+  <a:schemeClr val="accent5"/>
+  <a:schemeClr val="accent4"/>
+  <cs:variation/>
+  <cs:variation>
+    <a:lumMod val="60000"/>
+  </cs:variation>
+  <cs:variation>
+    <a:lumMod val="80000"/>
+    <a:lumOff val="20000"/>
+  </cs:variation>
+  <cs:variation>
+    <a:lumMod val="80000"/>
+  </cs:variation>
+  <cs:variation>
+    <a:lumMod val="60000"/>
+    <a:lumOff val="40000"/>
+  </cs:variation>
+  <cs:variation>
+    <a:lumMod val="50000"/>
+  </cs:variation>
+  <cs:variation>
+    <a:lumMod val="70000"/>
+    <a:lumOff val="30000"/>
+  </cs:variation>
+  <cs:variation>
+    <a:lumMod val="70000"/>
+  </cs:variation>
+  <cs:variation>
+    <a:lumMod val="50000"/>
+    <a:lumOff val="50000"/>
+  </cs:variation>
+</cs:colorStyle>
+</file>
+
+<file path=ppt/charts/style1.xml><?xml version="1.0" encoding="utf-8"?>
+<cs:chartStyle xmlns:cs="http://schemas.microsoft.com/office/drawing/2012/chartStyle" xmlns:a="http://schemas.openxmlformats.org/drawingml/2006/main" id="209">
+  <cs:axisTitle>
+    <cs:lnRef idx="0"/>
+    <cs:fillRef idx="0"/>
+    <cs:effectRef idx="0"/>
+    <cs:fontRef idx="minor">
+      <a:schemeClr val="lt1">
+        <a:lumMod val="85000"/>
+      </a:schemeClr>
+    </cs:fontRef>
+    <cs:defRPr sz="900" b="1" kern="1200" cap="all"/>
+  </cs:axisTitle>
+  <cs:categoryAxis>
+    <cs:lnRef idx="0"/>
+    <cs:fillRef idx="0"/>
+    <cs:effectRef idx="0"/>
+    <cs:fontRef idx="minor">
+      <a:schemeClr val="lt1">
+        <a:lumMod val="85000"/>
+      </a:schemeClr>
+    </cs:fontRef>
+    <cs:spPr>
+      <a:ln w="12700" cap="flat" cmpd="sng" algn="ctr">
+        <a:solidFill>
+          <a:schemeClr val="lt1">
+            <a:lumMod val="95000"/>
+            <a:alpha val="54000"/>
+          </a:schemeClr>
+        </a:solidFill>
+        <a:round/>
+      </a:ln>
+    </cs:spPr>
+    <cs:defRPr sz="900" kern="1200"/>
+  </cs:categoryAxis>
+  <cs:chartArea>
+    <cs:lnRef idx="0"/>
+    <cs:fillRef idx="0"/>
+    <cs:effectRef idx="0"/>
+    <cs:fontRef idx="minor">
+      <a:schemeClr val="dk1"/>
+    </cs:fontRef>
+    <cs:spPr>
+      <a:gradFill flip="none" rotWithShape="1">
+        <a:gsLst>
+          <a:gs pos="0">
+            <a:schemeClr val="dk1">
+              <a:lumMod val="65000"/>
+              <a:lumOff val="35000"/>
+            </a:schemeClr>
+          </a:gs>
+          <a:gs pos="100000">
+            <a:schemeClr val="dk1">
+              <a:lumMod val="85000"/>
+              <a:lumOff val="15000"/>
+            </a:schemeClr>
+          </a:gs>
+        </a:gsLst>
+        <a:path path="circle">
+          <a:fillToRect l="50000" t="50000" r="50000" b="50000"/>
+        </a:path>
+        <a:tileRect/>
+      </a:gradFill>
+    </cs:spPr>
+    <cs:defRPr sz="1000" kern="1200"/>
+  </cs:chartArea>
+  <cs:dataLabel>
+    <cs:lnRef idx="0"/>
+    <cs:fillRef idx="0"/>
+    <cs:effectRef idx="0"/>
+    <cs:fontRef idx="minor">
+      <a:schemeClr val="lt1">
+        <a:lumMod val="85000"/>
+      </a:schemeClr>
+    </cs:fontRef>
+    <cs:defRPr sz="900" kern="1200"/>
+  </cs:dataLabel>
+  <cs:dataLabelCallout>
+    <cs:lnRef idx="0"/>
+    <cs:fillRef idx="0"/>
+    <cs:effectRef idx="0"/>
+    <cs:fontRef idx="minor">
+      <a:schemeClr val="dk1">
+        <a:lumMod val="65000"/>
+        <a:lumOff val="35000"/>
+      </a:schemeClr>
+    </cs:fontRef>
+    <cs:spPr>
+      <a:solidFill>
+        <a:schemeClr val="lt1"/>
+      </a:solidFill>
+    </cs:spPr>
+    <cs:defRPr sz="900" kern="1200"/>
+    <cs:bodyPr rot="0" spcFirstLastPara="1" vertOverflow="clip" horzOverflow="clip" vert="horz" wrap="square" lIns="36576" tIns="18288" rIns="36576" bIns="18288" anchor="ctr" anchorCtr="1">
+      <a:spAutoFit/>
+    </cs:bodyPr>
+  </cs:dataLabelCallout>
+  <cs:dataPoint>
+    <cs:lnRef idx="0"/>
+    <cs:fillRef idx="3">
+      <cs:styleClr val="auto"/>
+    </cs:fillRef>
+    <cs:effectRef idx="3"/>
+    <cs:fontRef idx="minor">
+      <a:schemeClr val="lt1"/>
+    </cs:fontRef>
+  </cs:dataPoint>
+  <cs:dataPoint3D>
+    <cs:lnRef idx="0"/>
+    <cs:fillRef idx="3">
+      <cs:styleClr val="auto"/>
+    </cs:fillRef>
+    <cs:effectRef idx="3"/>
+    <cs:fontRef idx="minor">
+      <a:schemeClr val="lt1"/>
+    </cs:fontRef>
+  </cs:dataPoint3D>
+  <cs:dataPointLine>
+    <cs:lnRef idx="0">
+      <cs:styleClr val="auto"/>
+    </cs:lnRef>
+    <cs:fillRef idx="3"/>
+    <cs:effectRef idx="3"/>
+    <cs:fontRef idx="minor">
+      <a:schemeClr val="lt1"/>
+    </cs:fontRef>
+    <cs:spPr>
+      <a:ln w="34925" cap="rnd">
+        <a:solidFill>
+          <a:schemeClr val="phClr"/>
+        </a:solidFill>
+        <a:round/>
+      </a:ln>
+    </cs:spPr>
+  </cs:dataPointLine>
+  <cs:dataPointMarker>
+    <cs:lnRef idx="0">
+      <cs:styleClr val="auto"/>
+    </cs:lnRef>
+    <cs:fillRef idx="3">
+      <cs:styleClr val="auto"/>
+    </cs:fillRef>
+    <cs:effectRef idx="3"/>
+    <cs:fontRef idx="minor">
+      <a:schemeClr val="lt1"/>
+    </cs:fontRef>
+    <cs:spPr>
+      <a:ln w="9525">
+        <a:solidFill>
+          <a:schemeClr val="phClr"/>
+        </a:solidFill>
+        <a:round/>
+      </a:ln>
+    </cs:spPr>
+  </cs:dataPointMarker>
+  <cs:dataPointMarkerLayout symbol="circle" size="6"/>
+  <cs:dataPointWireframe>
+    <cs:lnRef idx="0">
+      <cs:styleClr val="auto"/>
+    </cs:lnRef>
+    <cs:fillRef idx="3"/>
+    <cs:effectRef idx="3"/>
+    <cs:fontRef idx="minor">
+      <a:schemeClr val="lt1"/>
+    </cs:fontRef>
+    <cs:spPr>
+      <a:ln w="9525" cap="rnd">
+        <a:solidFill>
+          <a:schemeClr val="phClr"/>
+        </a:solidFill>
+        <a:round/>
+      </a:ln>
+    </cs:spPr>
+  </cs:dataPointWireframe>
+  <cs:dataTable>
+    <cs:lnRef idx="0"/>
+    <cs:fillRef idx="0"/>
+    <cs:effectRef idx="0"/>
+    <cs:fontRef idx="minor">
+      <a:schemeClr val="lt1">
+        <a:lumMod val="85000"/>
+      </a:schemeClr>
+    </cs:fontRef>
+    <cs:spPr>
+      <a:ln w="9525">
+        <a:solidFill>
+          <a:schemeClr val="lt1">
+            <a:lumMod val="95000"/>
+            <a:alpha val="54000"/>
+          </a:schemeClr>
+        </a:solidFill>
+      </a:ln>
+    </cs:spPr>
+    <cs:defRPr sz="900" kern="1200"/>
+  </cs:dataTable>
+  <cs:downBar>
+    <cs:lnRef idx="0"/>
+    <cs:fillRef idx="0"/>
+    <cs:effectRef idx="0"/>
+    <cs:fontRef idx="minor">
+      <a:schemeClr val="lt1"/>
+    </cs:fontRef>
+    <cs:spPr>
+      <a:solidFill>
+        <a:schemeClr val="dk1">
+          <a:lumMod val="75000"/>
+          <a:lumOff val="25000"/>
+        </a:schemeClr>
+      </a:solidFill>
+      <a:ln w="9525">
+        <a:solidFill>
+          <a:schemeClr val="lt1">
+            <a:lumMod val="95000"/>
+            <a:alpha val="54000"/>
+          </a:schemeClr>
+        </a:solidFill>
+      </a:ln>
+    </cs:spPr>
+  </cs:downBar>
+  <cs:dropLine>
+    <cs:lnRef idx="0"/>
+    <cs:fillRef idx="0"/>
+    <cs:effectRef idx="0"/>
+    <cs:fontRef idx="minor">
+      <a:schemeClr val="lt1"/>
+    </cs:fontRef>
+    <cs:spPr>
+      <a:ln w="9525">
+        <a:solidFill>
+          <a:schemeClr val="lt1">
+            <a:lumMod val="95000"/>
+            <a:alpha val="54000"/>
+          </a:schemeClr>
+        </a:solidFill>
+        <a:prstDash val="dash"/>
+      </a:ln>
+    </cs:spPr>
+  </cs:dropLine>
+  <cs:errorBar>
+    <cs:lnRef idx="0"/>
+    <cs:fillRef idx="0"/>
+    <cs:effectRef idx="0"/>
+    <cs:fontRef idx="minor">
+      <a:schemeClr val="lt1"/>
+    </cs:fontRef>
+    <cs:spPr>
+      <a:ln w="9525" cap="flat" cmpd="sng" algn="ctr">
+        <a:solidFill>
+          <a:schemeClr val="lt1">
+            <a:lumMod val="95000"/>
+          </a:schemeClr>
+        </a:solidFill>
+        <a:round/>
+      </a:ln>
+    </cs:spPr>
+  </cs:errorBar>
+  <cs:floor>
+    <cs:lnRef idx="0"/>
+    <cs:fillRef idx="0"/>
+    <cs:effectRef idx="0"/>
+    <cs:fontRef idx="minor">
+      <a:schemeClr val="lt1"/>
+    </cs:fontRef>
+  </cs:floor>
+  <cs:gridlineMajor>
+    <cs:lnRef idx="0"/>
+    <cs:fillRef idx="0"/>
+    <cs:effectRef idx="0"/>
+    <cs:fontRef idx="minor">
+      <a:schemeClr val="lt1"/>
+    </cs:fontRef>
+    <cs:spPr>
+      <a:ln w="9525" cap="flat" cmpd="sng" algn="ctr">
+        <a:solidFill>
+          <a:schemeClr val="lt1">
+            <a:lumMod val="95000"/>
+            <a:alpha val="10000"/>
+          </a:schemeClr>
+        </a:solidFill>
+        <a:round/>
+      </a:ln>
+    </cs:spPr>
+  </cs:gridlineMajor>
+  <cs:gridlineMinor>
+    <cs:lnRef idx="0"/>
+    <cs:fillRef idx="0"/>
+    <cs:effectRef idx="0"/>
+    <cs:fontRef idx="minor">
+      <a:schemeClr val="lt1"/>
+    </cs:fontRef>
+    <cs:spPr>
+      <a:ln>
+        <a:solidFill>
+          <a:schemeClr val="lt1">
+            <a:lumMod val="95000"/>
+            <a:alpha val="5000"/>
+          </a:schemeClr>
+        </a:solidFill>
+      </a:ln>
+    </cs:spPr>
+  </cs:gridlineMinor>
+  <cs:hiLoLine>
+    <cs:lnRef idx="0"/>
+    <cs:fillRef idx="0"/>
+    <cs:effectRef idx="0"/>
+    <cs:fontRef idx="minor">
+      <a:schemeClr val="lt1"/>
+    </cs:fontRef>
+    <cs:spPr>
+      <a:ln w="9525">
+        <a:solidFill>
+          <a:schemeClr val="lt1">
+            <a:lumMod val="95000"/>
+            <a:alpha val="54000"/>
+          </a:schemeClr>
+        </a:solidFill>
+        <a:prstDash val="dash"/>
+      </a:ln>
+    </cs:spPr>
+  </cs:hiLoLine>
+  <cs:leaderLine>
+    <cs:lnRef idx="0"/>
+    <cs:fillRef idx="0"/>
+    <cs:effectRef idx="0"/>
+    <cs:fontRef idx="minor">
+      <a:schemeClr val="lt1"/>
+    </cs:fontRef>
+    <cs:spPr>
+      <a:ln w="9525">
+        <a:solidFill>
+          <a:schemeClr val="lt1">
+            <a:lumMod val="95000"/>
+            <a:alpha val="54000"/>
+          </a:schemeClr>
+        </a:solidFill>
+      </a:ln>
+    </cs:spPr>
+  </cs:leaderLine>
+  <cs:legend>
+    <cs:lnRef idx="0"/>
+    <cs:fillRef idx="0"/>
+    <cs:effectRef idx="0"/>
+    <cs:fontRef idx="minor">
+      <a:schemeClr val="lt1">
+        <a:lumMod val="85000"/>
+      </a:schemeClr>
+    </cs:fontRef>
+    <cs:defRPr sz="900" kern="1200"/>
+  </cs:legend>
+  <cs:plotArea>
+    <cs:lnRef idx="0"/>
+    <cs:fillRef idx="0"/>
+    <cs:effectRef idx="0"/>
+    <cs:fontRef idx="minor">
+      <a:schemeClr val="lt1"/>
+    </cs:fontRef>
+  </cs:plotArea>
+  <cs:plotArea3D>
+    <cs:lnRef idx="0"/>
+    <cs:fillRef idx="0"/>
+    <cs:effectRef idx="0"/>
+    <cs:fontRef idx="minor">
+      <a:schemeClr val="lt1"/>
+    </cs:fontRef>
+  </cs:plotArea3D>
+  <cs:seriesAxis>
+    <cs:lnRef idx="0"/>
+    <cs:fillRef idx="0"/>
+    <cs:effectRef idx="0"/>
+    <cs:fontRef idx="minor">
+      <a:schemeClr val="lt1">
+        <a:lumMod val="85000"/>
+      </a:schemeClr>
+    </cs:fontRef>
+    <cs:spPr>
+      <a:ln w="12700" cap="flat" cmpd="sng" algn="ctr">
+        <a:solidFill>
+          <a:schemeClr val="lt1">
+            <a:lumMod val="95000"/>
+            <a:alpha val="54000"/>
+          </a:schemeClr>
+        </a:solidFill>
+        <a:round/>
+      </a:ln>
+    </cs:spPr>
+    <cs:defRPr sz="900" kern="1200"/>
+  </cs:seriesAxis>
+  <cs:seriesLine>
+    <cs:lnRef idx="0"/>
+    <cs:fillRef idx="0"/>
+    <cs:effectRef idx="0"/>
+    <cs:fontRef idx="minor">
+      <a:schemeClr val="lt1"/>
+    </cs:fontRef>
+    <cs:spPr>
+      <a:ln w="9525" cap="flat" cmpd="sng" algn="ctr">
+        <a:solidFill>
+          <a:schemeClr val="lt1">
+            <a:lumMod val="95000"/>
+            <a:alpha val="54000"/>
+          </a:schemeClr>
+        </a:solidFill>
+        <a:round/>
+      </a:ln>
+    </cs:spPr>
+  </cs:seriesLine>
+  <cs:title>
+    <cs:lnRef idx="0"/>
+    <cs:fillRef idx="0"/>
+    <cs:effectRef idx="0"/>
+    <cs:fontRef idx="minor">
+      <a:schemeClr val="lt1">
+        <a:lumMod val="95000"/>
+      </a:schemeClr>
+    </cs:fontRef>
+    <cs:defRPr sz="1600" b="1" kern="1200" spc="100" baseline="0">
+      <a:effectLst>
+        <a:outerShdw blurRad="50800" dist="38100" dir="5400000" algn="t" rotWithShape="0">
+          <a:prstClr val="black">
+            <a:alpha val="40000"/>
+          </a:prstClr>
+        </a:outerShdw>
+      </a:effectLst>
+    </cs:defRPr>
+  </cs:title>
+  <cs:trendline>
+    <cs:lnRef idx="0">
+      <cs:styleClr val="auto"/>
+    </cs:lnRef>
+    <cs:fillRef idx="0"/>
+    <cs:effectRef idx="0"/>
+    <cs:fontRef idx="minor">
+      <a:schemeClr val="lt1"/>
+    </cs:fontRef>
+    <cs:spPr>
+      <a:ln w="19050" cap="rnd">
+        <a:solidFill>
+          <a:schemeClr val="phClr"/>
+        </a:solidFill>
+      </a:ln>
+    </cs:spPr>
+  </cs:trendline>
+  <cs:trendlineLabel>
+    <cs:lnRef idx="0"/>
+    <cs:fillRef idx="0"/>
+    <cs:effectRef idx="0"/>
+    <cs:fontRef idx="minor">
+      <a:schemeClr val="lt1">
+        <a:lumMod val="85000"/>
+      </a:schemeClr>
+    </cs:fontRef>
+    <cs:defRPr sz="900" kern="1200"/>
+  </cs:trendlineLabel>
+  <cs:upBar>
+    <cs:lnRef idx="0"/>
+    <cs:fillRef idx="0"/>
+    <cs:effectRef idx="0"/>
+    <cs:fontRef idx="minor">
+      <a:schemeClr val="lt1"/>
+    </cs:fontRef>
+    <cs:spPr>
+      <a:solidFill>
+        <a:schemeClr val="lt1"/>
+      </a:solidFill>
+      <a:ln w="9525">
+        <a:solidFill>
+          <a:schemeClr val="lt1">
+            <a:lumMod val="95000"/>
+            <a:alpha val="54000"/>
+          </a:schemeClr>
+        </a:solidFill>
+      </a:ln>
+    </cs:spPr>
+  </cs:upBar>
+  <cs:valueAxis>
+    <cs:lnRef idx="0"/>
+    <cs:fillRef idx="0"/>
+    <cs:effectRef idx="0"/>
+    <cs:fontRef idx="minor">
+      <a:schemeClr val="lt1">
+        <a:lumMod val="85000"/>
+      </a:schemeClr>
+    </cs:fontRef>
+    <cs:defRPr sz="900" kern="1200"/>
+  </cs:valueAxis>
+  <cs:wall>
+    <cs:lnRef idx="0"/>
+    <cs:fillRef idx="0"/>
+    <cs:effectRef idx="0"/>
+    <cs:fontRef idx="minor">
+      <a:schemeClr val="lt1"/>
+    </cs:fontRef>
+  </cs:wall>
+</cs:chartStyle>
+</file>
+
 <file path=ppt/notesMasters/notesMaster1.xml><?xml version="1.0" encoding="utf-8"?>
 <p:notesMaster xmlns:a="http://schemas.openxmlformats.org/drawingml/2006/main" xmlns:r="http://schemas.openxmlformats.org/officeDocument/2006/relationships" xmlns:p="http://schemas.openxmlformats.org/presentationml/2006/main">
   <p:cSld>
@@ -247,7 +2296,7 @@
           <a:p>
             <a:fld id="{84B86612-B127-4CD0-BF15-66D49A7175F7}" type="datetimeFigureOut">
               <a:rPr lang="en-IN" smtClean="0"/>
-              <a:t>28-08-2024</a:t>
+              <a:t>29-08-2024</a:t>
             </a:fld>
             <a:endParaRPr lang="en-IN"/>
           </a:p>
@@ -744,7 +2793,7 @@
           <a:p>
             <a:fld id="{1D8BD707-D9CF-40AE-B4C6-C98DA3205C09}" type="datetimeFigureOut">
               <a:rPr lang="en-US"/>
-              <a:t>8/28/2024</a:t>
+              <a:t>8/29/2024</a:t>
             </a:fld>
             <a:endParaRPr lang="en-US"/>
           </a:p>
@@ -924,7 +2973,7 @@
           <a:p>
             <a:fld id="{1D8BD707-D9CF-40AE-B4C6-C98DA3205C09}" type="datetimeFigureOut">
               <a:rPr lang="en-US"/>
-              <a:t>8/28/2024</a:t>
+              <a:t>8/29/2024</a:t>
             </a:fld>
             <a:endParaRPr lang="en-US"/>
           </a:p>
@@ -1147,7 +3196,7 @@
           <a:p>
             <a:fld id="{1D8BD707-D9CF-40AE-B4C6-C98DA3205C09}" type="datetimeFigureOut">
               <a:rPr lang="en-US"/>
-              <a:t>8/28/2024</a:t>
+              <a:t>8/29/2024</a:t>
             </a:fld>
             <a:endParaRPr lang="en-US"/>
           </a:p>
@@ -1304,7 +3353,7 @@
           <a:p>
             <a:fld id="{1D8BD707-D9CF-40AE-B4C6-C98DA3205C09}" type="datetimeFigureOut">
               <a:rPr lang="en-US"/>
-              <a:t>8/28/2024</a:t>
+              <a:t>8/29/2024</a:t>
             </a:fld>
             <a:endParaRPr lang="en-US"/>
           </a:p>
@@ -1432,7 +3481,7 @@
           <a:p>
             <a:fld id="{1D8BD707-D9CF-40AE-B4C6-C98DA3205C09}" type="datetimeFigureOut">
               <a:rPr lang="en-US"/>
-              <a:t>8/28/2024</a:t>
+              <a:t>8/29/2024</a:t>
             </a:fld>
             <a:endParaRPr lang="en-US"/>
           </a:p>
@@ -2151,7 +4200,7 @@
           <a:p>
             <a:fld id="{1D8BD707-D9CF-40AE-B4C6-C98DA3205C09}" type="datetimeFigureOut">
               <a:rPr lang="en-US"/>
-              <a:t>8/28/2024</a:t>
+              <a:t>8/29/2024</a:t>
             </a:fld>
             <a:endParaRPr lang="en-US"/>
           </a:p>
@@ -3125,784 +5174,2019 @@
           </a:p>
         </p:txBody>
       </p:sp>
-      <p:sp>
-        <p:nvSpPr>
-          <p:cNvPr id="2" name="Rectangle 1"/>
-          <p:cNvSpPr>
-            <a:spLocks noChangeArrowheads="1"/>
-          </p:cNvSpPr>
-          <p:nvPr/>
-        </p:nvSpPr>
-        <p:spPr bwMode="auto">
-          <a:xfrm>
-            <a:off x="1062037" y="1503860"/>
-            <a:ext cx="8382000" cy="4770537"/>
-          </a:xfrm>
-          <a:prstGeom prst="rect">
-            <a:avLst/>
-          </a:prstGeom>
-          <a:noFill/>
-          <a:ln>
-            <a:noFill/>
-          </a:ln>
-          <a:effectLst/>
-          <a:extLst>
-            <a:ext uri="{909E8E84-426E-40DD-AFC4-6F175D3DCCD1}">
-              <a14:hiddenFill xmlns:a14="http://schemas.microsoft.com/office/drawing/2010/main">
-                <a:solidFill>
-                  <a:schemeClr val="accent1"/>
-                </a:solidFill>
-              </a14:hiddenFill>
-            </a:ext>
-            <a:ext uri="{91240B29-F687-4F45-9708-019B960494DF}">
-              <a14:hiddenLine xmlns:a14="http://schemas.microsoft.com/office/drawing/2010/main" w="9525">
-                <a:solidFill>
-                  <a:schemeClr val="tx1"/>
-                </a:solidFill>
-                <a:miter lim="800000"/>
-                <a:headEnd/>
-                <a:tailEnd/>
-              </a14:hiddenLine>
-            </a:ext>
-            <a:ext uri="{AF507438-7753-43E0-B8FC-AC1667EBCBE1}">
-              <a14:hiddenEffects xmlns:a14="http://schemas.microsoft.com/office/drawing/2010/main">
-                <a:effectLst>
-                  <a:outerShdw dist="35921" dir="2700000" algn="ctr" rotWithShape="0">
-                    <a:schemeClr val="bg2"/>
-                  </a:outerShdw>
-                </a:effectLst>
-              </a14:hiddenEffects>
-            </a:ext>
-          </a:extLst>
-        </p:spPr>
-        <p:txBody>
-          <a:bodyPr vert="horz" wrap="square" lIns="91440" tIns="45720" rIns="91440" bIns="45720" numCol="1" anchor="ctr" anchorCtr="0" compatLnSpc="1">
-            <a:prstTxWarp prst="textNoShape">
-              <a:avLst/>
-            </a:prstTxWarp>
-            <a:spAutoFit/>
-          </a:bodyPr>
-          <a:lstStyle/>
-          <a:p>
-            <a:pPr marL="0" marR="0" lvl="0" indent="0" algn="l" defTabSz="914400" rtl="0" eaLnBrk="0" fontAlgn="base" latinLnBrk="0" hangingPunct="0">
-              <a:lnSpc>
-                <a:spcPct val="100000"/>
-              </a:lnSpc>
-              <a:spcBef>
-                <a:spcPct val="0"/>
-              </a:spcBef>
-              <a:spcAft>
-                <a:spcPct val="0"/>
-              </a:spcAft>
-              <a:buClrTx/>
-              <a:buSzTx/>
-              <a:buFontTx/>
-              <a:buNone/>
-              <a:tabLst/>
-            </a:pPr>
-            <a:endParaRPr kumimoji="0" lang="en-US" altLang="en-US" sz="1600" b="0" i="0" u="none" strike="noStrike" cap="none" normalizeH="0" baseline="0" dirty="0" smtClean="0">
-              <a:ln>
-                <a:noFill/>
-              </a:ln>
-              <a:solidFill>
-                <a:schemeClr val="tx1"/>
-              </a:solidFill>
-              <a:effectLst/>
-              <a:latin typeface="Arial" panose="020B0604020202020204" pitchFamily="34" charset="0"/>
-            </a:endParaRPr>
-          </a:p>
-          <a:p>
-            <a:pPr marL="0" marR="0" lvl="0" indent="0" algn="l" defTabSz="914400" rtl="0" eaLnBrk="0" fontAlgn="base" latinLnBrk="0" hangingPunct="0">
-              <a:lnSpc>
-                <a:spcPct val="100000"/>
-              </a:lnSpc>
-              <a:spcBef>
-                <a:spcPct val="0"/>
-              </a:spcBef>
-              <a:spcAft>
-                <a:spcPct val="0"/>
-              </a:spcAft>
-              <a:buClrTx/>
-              <a:buSzTx/>
-              <a:buFontTx/>
-              <a:buAutoNum type="arabicPeriod"/>
-              <a:tabLst/>
-            </a:pPr>
-            <a:r>
-              <a:rPr kumimoji="0" lang="en-US" altLang="en-US" sz="1600" b="1" i="0" u="none" strike="noStrike" cap="none" normalizeH="0" baseline="0" dirty="0" err="1" smtClean="0">
-                <a:ln>
-                  <a:noFill/>
-                </a:ln>
-                <a:solidFill>
-                  <a:schemeClr val="tx1"/>
-                </a:solidFill>
-                <a:effectLst/>
-                <a:latin typeface="Arial" panose="020B0604020202020204" pitchFamily="34" charset="0"/>
-              </a:rPr>
-              <a:t>Cheerper</a:t>
-            </a:r>
-            <a:r>
-              <a:rPr kumimoji="0" lang="en-US" altLang="en-US" sz="1600" b="0" i="0" u="none" strike="noStrike" cap="none" normalizeH="0" baseline="0" dirty="0" smtClean="0">
-                <a:ln>
-                  <a:noFill/>
-                </a:ln>
-                <a:solidFill>
-                  <a:schemeClr val="tx1"/>
-                </a:solidFill>
-                <a:effectLst/>
-                <a:latin typeface="Arial" panose="020B0604020202020204" pitchFamily="34" charset="0"/>
-              </a:rPr>
-              <a:t>: Highest total salary in the </a:t>
-            </a:r>
-            <a:r>
-              <a:rPr kumimoji="0" lang="en-US" altLang="en-US" sz="1600" b="1" i="0" u="none" strike="noStrike" cap="none" normalizeH="0" baseline="0" dirty="0" smtClean="0">
-                <a:ln>
-                  <a:noFill/>
-                </a:ln>
-                <a:solidFill>
-                  <a:schemeClr val="tx1"/>
-                </a:solidFill>
-                <a:effectLst/>
-                <a:latin typeface="Arial" panose="020B0604020202020204" pitchFamily="34" charset="0"/>
-              </a:rPr>
-              <a:t>Search Engine</a:t>
-            </a:r>
-            <a:r>
-              <a:rPr kumimoji="0" lang="en-US" altLang="en-US" sz="1600" b="0" i="0" u="none" strike="noStrike" cap="none" normalizeH="0" baseline="0" dirty="0" smtClean="0">
-                <a:ln>
-                  <a:noFill/>
-                </a:ln>
-                <a:solidFill>
-                  <a:schemeClr val="tx1"/>
-                </a:solidFill>
-                <a:effectLst/>
-                <a:latin typeface="Arial" panose="020B0604020202020204" pitchFamily="34" charset="0"/>
-              </a:rPr>
-              <a:t> department and no salary recorded for AI and Sales.0</a:t>
-            </a:r>
-          </a:p>
-          <a:p>
-            <a:pPr marL="0" marR="0" lvl="0" indent="0" algn="l" defTabSz="914400" rtl="0" eaLnBrk="0" fontAlgn="base" latinLnBrk="0" hangingPunct="0">
-              <a:lnSpc>
-                <a:spcPct val="100000"/>
-              </a:lnSpc>
-              <a:spcBef>
-                <a:spcPct val="0"/>
-              </a:spcBef>
-              <a:spcAft>
-                <a:spcPct val="0"/>
-              </a:spcAft>
-              <a:buClrTx/>
-              <a:buSzTx/>
-              <a:buFontTx/>
-              <a:buAutoNum type="arabicPeriod"/>
-              <a:tabLst/>
-            </a:pPr>
-            <a:endParaRPr kumimoji="0" lang="en-US" altLang="en-US" sz="1600" b="0" i="0" u="none" strike="noStrike" cap="none" normalizeH="0" baseline="0" dirty="0" smtClean="0">
-              <a:ln>
-                <a:noFill/>
-              </a:ln>
-              <a:solidFill>
-                <a:schemeClr val="tx1"/>
-              </a:solidFill>
-              <a:effectLst/>
-              <a:latin typeface="Arial" panose="020B0604020202020204" pitchFamily="34" charset="0"/>
-            </a:endParaRPr>
-          </a:p>
-          <a:p>
-            <a:pPr marL="0" marR="0" lvl="0" indent="0" algn="l" defTabSz="914400" rtl="0" eaLnBrk="0" fontAlgn="base" latinLnBrk="0" hangingPunct="0">
-              <a:lnSpc>
-                <a:spcPct val="100000"/>
-              </a:lnSpc>
-              <a:spcBef>
-                <a:spcPct val="0"/>
-              </a:spcBef>
-              <a:spcAft>
-                <a:spcPct val="0"/>
-              </a:spcAft>
-              <a:buClrTx/>
-              <a:buSzTx/>
-              <a:buFontTx/>
-              <a:buAutoNum type="arabicPeriod" startAt="2"/>
-              <a:tabLst/>
-            </a:pPr>
-            <a:r>
-              <a:rPr kumimoji="0" lang="en-US" altLang="en-US" sz="1600" b="1" i="0" u="none" strike="noStrike" cap="none" normalizeH="0" baseline="0" dirty="0" smtClean="0">
-                <a:ln>
-                  <a:noFill/>
-                </a:ln>
-                <a:solidFill>
-                  <a:schemeClr val="tx1"/>
-                </a:solidFill>
-                <a:effectLst/>
-                <a:latin typeface="Arial" panose="020B0604020202020204" pitchFamily="34" charset="0"/>
-              </a:rPr>
-              <a:t>Glasses</a:t>
-            </a:r>
-            <a:r>
-              <a:rPr kumimoji="0" lang="en-US" altLang="en-US" sz="1600" b="0" i="0" u="none" strike="noStrike" cap="none" normalizeH="0" baseline="0" dirty="0" smtClean="0">
-                <a:ln>
-                  <a:noFill/>
-                </a:ln>
-                <a:solidFill>
-                  <a:schemeClr val="tx1"/>
-                </a:solidFill>
-                <a:effectLst/>
-                <a:latin typeface="Arial" panose="020B0604020202020204" pitchFamily="34" charset="0"/>
-              </a:rPr>
-              <a:t>: The largest salary is in the </a:t>
-            </a:r>
-            <a:r>
-              <a:rPr kumimoji="0" lang="en-US" altLang="en-US" sz="1600" b="1" i="0" u="none" strike="noStrike" cap="none" normalizeH="0" baseline="0" dirty="0" smtClean="0">
-                <a:ln>
-                  <a:noFill/>
-                </a:ln>
-                <a:solidFill>
-                  <a:schemeClr val="tx1"/>
-                </a:solidFill>
-                <a:effectLst/>
-                <a:latin typeface="Arial" panose="020B0604020202020204" pitchFamily="34" charset="0"/>
-              </a:rPr>
-              <a:t>Design</a:t>
-            </a:r>
-            <a:r>
-              <a:rPr kumimoji="0" lang="en-US" altLang="en-US" sz="1600" b="0" i="0" u="none" strike="noStrike" cap="none" normalizeH="0" baseline="0" dirty="0" smtClean="0">
-                <a:ln>
-                  <a:noFill/>
-                </a:ln>
-                <a:solidFill>
-                  <a:schemeClr val="tx1"/>
-                </a:solidFill>
-                <a:effectLst/>
-                <a:latin typeface="Arial" panose="020B0604020202020204" pitchFamily="34" charset="0"/>
-              </a:rPr>
-              <a:t> department, with notable amounts in </a:t>
-            </a:r>
-            <a:r>
-              <a:rPr kumimoji="0" lang="en-US" altLang="en-US" sz="1600" b="0" i="0" u="none" strike="noStrike" cap="none" normalizeH="0" baseline="0" dirty="0" err="1" smtClean="0">
-                <a:ln>
-                  <a:noFill/>
-                </a:ln>
-                <a:solidFill>
-                  <a:schemeClr val="tx1"/>
-                </a:solidFill>
-                <a:effectLst/>
-                <a:latin typeface="Arial" panose="020B0604020202020204" pitchFamily="34" charset="0"/>
-              </a:rPr>
-              <a:t>BigData</a:t>
-            </a:r>
-            <a:r>
-              <a:rPr kumimoji="0" lang="en-US" altLang="en-US" sz="1600" b="0" i="0" u="none" strike="noStrike" cap="none" normalizeH="0" baseline="0" dirty="0" smtClean="0">
-                <a:ln>
-                  <a:noFill/>
-                </a:ln>
-                <a:solidFill>
-                  <a:schemeClr val="tx1"/>
-                </a:solidFill>
-                <a:effectLst/>
-                <a:latin typeface="Arial" panose="020B0604020202020204" pitchFamily="34" charset="0"/>
-              </a:rPr>
-              <a:t> and Search Engine, and a smaller amount in AI and Support.</a:t>
-            </a:r>
-          </a:p>
-          <a:p>
-            <a:pPr marL="0" marR="0" lvl="0" indent="0" algn="l" defTabSz="914400" rtl="0" eaLnBrk="0" fontAlgn="base" latinLnBrk="0" hangingPunct="0">
-              <a:lnSpc>
-                <a:spcPct val="100000"/>
-              </a:lnSpc>
-              <a:spcBef>
-                <a:spcPct val="0"/>
-              </a:spcBef>
-              <a:spcAft>
-                <a:spcPct val="0"/>
-              </a:spcAft>
-              <a:buClrTx/>
-              <a:buSzTx/>
-              <a:buFontTx/>
-              <a:buAutoNum type="arabicPeriod" startAt="2"/>
-              <a:tabLst/>
-            </a:pPr>
-            <a:endParaRPr kumimoji="0" lang="en-US" altLang="en-US" sz="1600" b="0" i="0" u="none" strike="noStrike" cap="none" normalizeH="0" baseline="0" dirty="0" smtClean="0">
-              <a:ln>
-                <a:noFill/>
-              </a:ln>
-              <a:solidFill>
-                <a:schemeClr val="tx1"/>
-              </a:solidFill>
-              <a:effectLst/>
-              <a:latin typeface="Arial" panose="020B0604020202020204" pitchFamily="34" charset="0"/>
-            </a:endParaRPr>
-          </a:p>
-          <a:p>
-            <a:pPr marL="0" marR="0" lvl="0" indent="0" algn="l" defTabSz="914400" rtl="0" eaLnBrk="0" fontAlgn="base" latinLnBrk="0" hangingPunct="0">
-              <a:lnSpc>
-                <a:spcPct val="100000"/>
-              </a:lnSpc>
-              <a:spcBef>
-                <a:spcPct val="0"/>
-              </a:spcBef>
-              <a:spcAft>
-                <a:spcPct val="0"/>
-              </a:spcAft>
-              <a:buClrTx/>
-              <a:buSzTx/>
-              <a:buFontTx/>
-              <a:buAutoNum type="arabicPeriod" startAt="3"/>
-              <a:tabLst/>
-            </a:pPr>
-            <a:r>
-              <a:rPr kumimoji="0" lang="en-US" altLang="en-US" sz="1600" b="1" i="0" u="none" strike="noStrike" cap="none" normalizeH="0" baseline="0" dirty="0" smtClean="0">
-                <a:ln>
-                  <a:noFill/>
-                </a:ln>
-                <a:solidFill>
-                  <a:schemeClr val="tx1"/>
-                </a:solidFill>
-                <a:effectLst/>
-                <a:latin typeface="Arial" panose="020B0604020202020204" pitchFamily="34" charset="0"/>
-              </a:rPr>
-              <a:t>Pear</a:t>
-            </a:r>
-            <a:r>
-              <a:rPr kumimoji="0" lang="en-US" altLang="en-US" sz="1600" b="0" i="0" u="none" strike="noStrike" cap="none" normalizeH="0" baseline="0" dirty="0" smtClean="0">
-                <a:ln>
-                  <a:noFill/>
-                </a:ln>
-                <a:solidFill>
-                  <a:schemeClr val="tx1"/>
-                </a:solidFill>
-                <a:effectLst/>
-                <a:latin typeface="Arial" panose="020B0604020202020204" pitchFamily="34" charset="0"/>
-              </a:rPr>
-              <a:t>: Most salaries are concentrated in the </a:t>
-            </a:r>
-            <a:r>
-              <a:rPr kumimoji="0" lang="en-US" altLang="en-US" sz="1600" b="1" i="0" u="none" strike="noStrike" cap="none" normalizeH="0" baseline="0" dirty="0" smtClean="0">
-                <a:ln>
-                  <a:noFill/>
-                </a:ln>
-                <a:solidFill>
-                  <a:schemeClr val="tx1"/>
-                </a:solidFill>
-                <a:effectLst/>
-                <a:latin typeface="Arial" panose="020B0604020202020204" pitchFamily="34" charset="0"/>
-              </a:rPr>
-              <a:t>Design</a:t>
-            </a:r>
-            <a:r>
-              <a:rPr kumimoji="0" lang="en-US" altLang="en-US" sz="1600" b="0" i="0" u="none" strike="noStrike" cap="none" normalizeH="0" baseline="0" dirty="0" smtClean="0">
-                <a:ln>
-                  <a:noFill/>
-                </a:ln>
-                <a:solidFill>
-                  <a:schemeClr val="tx1"/>
-                </a:solidFill>
-                <a:effectLst/>
-                <a:latin typeface="Arial" panose="020B0604020202020204" pitchFamily="34" charset="0"/>
-              </a:rPr>
-              <a:t> and </a:t>
-            </a:r>
-            <a:r>
-              <a:rPr kumimoji="0" lang="en-US" altLang="en-US" sz="1600" b="1" i="0" u="none" strike="noStrike" cap="none" normalizeH="0" baseline="0" dirty="0" smtClean="0">
-                <a:ln>
-                  <a:noFill/>
-                </a:ln>
-                <a:solidFill>
-                  <a:schemeClr val="tx1"/>
-                </a:solidFill>
-                <a:effectLst/>
-                <a:latin typeface="Arial" panose="020B0604020202020204" pitchFamily="34" charset="0"/>
-              </a:rPr>
-              <a:t>Sales</a:t>
-            </a:r>
-            <a:r>
-              <a:rPr kumimoji="0" lang="en-US" altLang="en-US" sz="1600" b="0" i="0" u="none" strike="noStrike" cap="none" normalizeH="0" baseline="0" dirty="0" smtClean="0">
-                <a:ln>
-                  <a:noFill/>
-                </a:ln>
-                <a:solidFill>
-                  <a:schemeClr val="tx1"/>
-                </a:solidFill>
-                <a:effectLst/>
-                <a:latin typeface="Arial" panose="020B0604020202020204" pitchFamily="34" charset="0"/>
-              </a:rPr>
-              <a:t> departments, with no recorded salaries in AI and Support.</a:t>
-            </a:r>
-          </a:p>
-          <a:p>
-            <a:pPr marL="0" marR="0" lvl="0" indent="0" algn="l" defTabSz="914400" rtl="0" eaLnBrk="0" fontAlgn="base" latinLnBrk="0" hangingPunct="0">
-              <a:lnSpc>
-                <a:spcPct val="100000"/>
-              </a:lnSpc>
-              <a:spcBef>
-                <a:spcPct val="0"/>
-              </a:spcBef>
-              <a:spcAft>
-                <a:spcPct val="0"/>
-              </a:spcAft>
-              <a:buClrTx/>
-              <a:buSzTx/>
-              <a:buFontTx/>
-              <a:buAutoNum type="arabicPeriod" startAt="3"/>
-              <a:tabLst/>
-            </a:pPr>
-            <a:endParaRPr kumimoji="0" lang="en-US" altLang="en-US" sz="1600" b="0" i="0" u="none" strike="noStrike" cap="none" normalizeH="0" baseline="0" dirty="0" smtClean="0">
-              <a:ln>
-                <a:noFill/>
-              </a:ln>
-              <a:solidFill>
-                <a:schemeClr val="tx1"/>
-              </a:solidFill>
-              <a:effectLst/>
-              <a:latin typeface="Arial" panose="020B0604020202020204" pitchFamily="34" charset="0"/>
-            </a:endParaRPr>
-          </a:p>
-          <a:p>
-            <a:pPr marL="0" marR="0" lvl="0" indent="0" algn="l" defTabSz="914400" rtl="0" eaLnBrk="0" fontAlgn="base" latinLnBrk="0" hangingPunct="0">
-              <a:lnSpc>
-                <a:spcPct val="100000"/>
-              </a:lnSpc>
-              <a:spcBef>
-                <a:spcPct val="0"/>
-              </a:spcBef>
-              <a:spcAft>
-                <a:spcPct val="0"/>
-              </a:spcAft>
-              <a:buClrTx/>
-              <a:buSzTx/>
-              <a:buFontTx/>
-              <a:buAutoNum type="arabicPeriod" startAt="4"/>
-              <a:tabLst/>
-            </a:pPr>
-            <a:r>
-              <a:rPr kumimoji="0" lang="en-US" altLang="en-US" sz="1600" b="1" i="0" u="none" strike="noStrike" cap="none" normalizeH="0" baseline="0" dirty="0" smtClean="0">
-                <a:ln>
-                  <a:noFill/>
-                </a:ln>
-                <a:solidFill>
-                  <a:schemeClr val="tx1"/>
-                </a:solidFill>
-                <a:effectLst/>
-                <a:latin typeface="Arial" panose="020B0604020202020204" pitchFamily="34" charset="0"/>
-              </a:rPr>
-              <a:t>Grand Totals</a:t>
-            </a:r>
-            <a:r>
-              <a:rPr kumimoji="0" lang="en-US" altLang="en-US" sz="1600" b="0" i="0" u="none" strike="noStrike" cap="none" normalizeH="0" baseline="0" dirty="0" smtClean="0">
-                <a:ln>
-                  <a:noFill/>
-                </a:ln>
-                <a:solidFill>
-                  <a:schemeClr val="tx1"/>
-                </a:solidFill>
-                <a:effectLst/>
-                <a:latin typeface="Arial" panose="020B0604020202020204" pitchFamily="34" charset="0"/>
-              </a:rPr>
-              <a:t>: The highest combined salaries across all companies are in the </a:t>
-            </a:r>
-            <a:r>
-              <a:rPr kumimoji="0" lang="en-US" altLang="en-US" sz="1600" b="1" i="0" u="none" strike="noStrike" cap="none" normalizeH="0" baseline="0" dirty="0" smtClean="0">
-                <a:ln>
-                  <a:noFill/>
-                </a:ln>
-                <a:solidFill>
-                  <a:schemeClr val="tx1"/>
-                </a:solidFill>
-                <a:effectLst/>
-                <a:latin typeface="Arial" panose="020B0604020202020204" pitchFamily="34" charset="0"/>
-              </a:rPr>
-              <a:t>Design</a:t>
-            </a:r>
-            <a:r>
-              <a:rPr kumimoji="0" lang="en-US" altLang="en-US" sz="1600" b="0" i="0" u="none" strike="noStrike" cap="none" normalizeH="0" baseline="0" dirty="0" smtClean="0">
-                <a:ln>
-                  <a:noFill/>
-                </a:ln>
-                <a:solidFill>
-                  <a:schemeClr val="tx1"/>
-                </a:solidFill>
-                <a:effectLst/>
-                <a:latin typeface="Arial" panose="020B0604020202020204" pitchFamily="34" charset="0"/>
-              </a:rPr>
-              <a:t> department, followed by Search Engine.</a:t>
-            </a:r>
-          </a:p>
-          <a:p>
-            <a:pPr marL="0" marR="0" lvl="0" indent="0" algn="l" defTabSz="914400" rtl="0" eaLnBrk="0" fontAlgn="base" latinLnBrk="0" hangingPunct="0">
-              <a:lnSpc>
-                <a:spcPct val="100000"/>
-              </a:lnSpc>
-              <a:spcBef>
-                <a:spcPct val="0"/>
-              </a:spcBef>
-              <a:spcAft>
-                <a:spcPct val="0"/>
-              </a:spcAft>
-              <a:buClrTx/>
-              <a:buSzTx/>
-              <a:buFontTx/>
-              <a:buAutoNum type="arabicPeriod" startAt="4"/>
-              <a:tabLst/>
-            </a:pPr>
-            <a:endParaRPr kumimoji="0" lang="en-US" altLang="en-US" sz="1600" b="0" i="0" u="none" strike="noStrike" cap="none" normalizeH="0" baseline="0" dirty="0" smtClean="0">
-              <a:ln>
-                <a:noFill/>
-              </a:ln>
-              <a:solidFill>
-                <a:schemeClr val="tx1"/>
-              </a:solidFill>
-              <a:effectLst/>
-              <a:latin typeface="Arial" panose="020B0604020202020204" pitchFamily="34" charset="0"/>
-            </a:endParaRPr>
-          </a:p>
-          <a:p>
-            <a:pPr marL="0" marR="0" lvl="0" indent="0" algn="l" defTabSz="914400" rtl="0" eaLnBrk="0" fontAlgn="base" latinLnBrk="0" hangingPunct="0">
-              <a:lnSpc>
-                <a:spcPct val="100000"/>
-              </a:lnSpc>
-              <a:spcBef>
-                <a:spcPct val="0"/>
-              </a:spcBef>
-              <a:spcAft>
-                <a:spcPct val="0"/>
-              </a:spcAft>
-              <a:buClrTx/>
-              <a:buSzTx/>
-              <a:buFontTx/>
-              <a:buAutoNum type="arabicPeriod" startAt="5"/>
-              <a:tabLst/>
-            </a:pPr>
-            <a:r>
-              <a:rPr kumimoji="0" lang="en-US" altLang="en-US" sz="1600" b="1" i="0" u="none" strike="noStrike" cap="none" normalizeH="0" baseline="0" dirty="0" smtClean="0">
-                <a:ln>
-                  <a:noFill/>
-                </a:ln>
-                <a:solidFill>
-                  <a:schemeClr val="tx1"/>
-                </a:solidFill>
-                <a:effectLst/>
-                <a:latin typeface="Arial" panose="020B0604020202020204" pitchFamily="34" charset="0"/>
-              </a:rPr>
-              <a:t>Visual Representation</a:t>
-            </a:r>
-            <a:r>
-              <a:rPr kumimoji="0" lang="en-US" altLang="en-US" sz="1600" b="0" i="0" u="none" strike="noStrike" cap="none" normalizeH="0" baseline="0" dirty="0" smtClean="0">
-                <a:ln>
-                  <a:noFill/>
-                </a:ln>
-                <a:solidFill>
-                  <a:schemeClr val="tx1"/>
-                </a:solidFill>
-                <a:effectLst/>
-                <a:latin typeface="Arial" panose="020B0604020202020204" pitchFamily="34" charset="0"/>
-              </a:rPr>
-              <a:t>: The bar graph visually confirms that </a:t>
-            </a:r>
-            <a:r>
-              <a:rPr kumimoji="0" lang="en-US" altLang="en-US" sz="1600" b="1" i="0" u="none" strike="noStrike" cap="none" normalizeH="0" baseline="0" dirty="0" smtClean="0">
-                <a:ln>
-                  <a:noFill/>
-                </a:ln>
-                <a:solidFill>
-                  <a:schemeClr val="tx1"/>
-                </a:solidFill>
-                <a:effectLst/>
-                <a:latin typeface="Arial" panose="020B0604020202020204" pitchFamily="34" charset="0"/>
-              </a:rPr>
-              <a:t>Design</a:t>
-            </a:r>
-            <a:r>
-              <a:rPr kumimoji="0" lang="en-US" altLang="en-US" sz="1600" b="0" i="0" u="none" strike="noStrike" cap="none" normalizeH="0" baseline="0" dirty="0" smtClean="0">
-                <a:ln>
-                  <a:noFill/>
-                </a:ln>
-                <a:solidFill>
-                  <a:schemeClr val="tx1"/>
-                </a:solidFill>
-                <a:effectLst/>
-                <a:latin typeface="Arial" panose="020B0604020202020204" pitchFamily="34" charset="0"/>
-              </a:rPr>
-              <a:t> and </a:t>
-            </a:r>
-            <a:r>
-              <a:rPr kumimoji="0" lang="en-US" altLang="en-US" sz="1600" b="1" i="0" u="none" strike="noStrike" cap="none" normalizeH="0" baseline="0" dirty="0" smtClean="0">
-                <a:ln>
-                  <a:noFill/>
-                </a:ln>
-                <a:solidFill>
-                  <a:schemeClr val="tx1"/>
-                </a:solidFill>
-                <a:effectLst/>
-                <a:latin typeface="Arial" panose="020B0604020202020204" pitchFamily="34" charset="0"/>
-              </a:rPr>
-              <a:t>Search Engine</a:t>
-            </a:r>
-            <a:r>
-              <a:rPr kumimoji="0" lang="en-US" altLang="en-US" sz="1600" b="0" i="0" u="none" strike="noStrike" cap="none" normalizeH="0" baseline="0" dirty="0" smtClean="0">
-                <a:ln>
-                  <a:noFill/>
-                </a:ln>
-                <a:solidFill>
-                  <a:schemeClr val="tx1"/>
-                </a:solidFill>
-                <a:effectLst/>
-                <a:latin typeface="Arial" panose="020B0604020202020204" pitchFamily="34" charset="0"/>
-              </a:rPr>
-              <a:t> departments have the highest salary totals across the companies</a:t>
-            </a:r>
-          </a:p>
-          <a:p>
-            <a:pPr marL="0" marR="0" lvl="0" indent="0" algn="l" defTabSz="914400" rtl="0" eaLnBrk="0" fontAlgn="base" latinLnBrk="0" hangingPunct="0">
-              <a:lnSpc>
-                <a:spcPct val="100000"/>
-              </a:lnSpc>
-              <a:spcBef>
-                <a:spcPct val="0"/>
-              </a:spcBef>
-              <a:spcAft>
-                <a:spcPct val="0"/>
-              </a:spcAft>
-              <a:buClrTx/>
-              <a:buSzTx/>
-              <a:tabLst/>
-            </a:pPr>
-            <a:endParaRPr kumimoji="0" lang="en-US" altLang="en-US" sz="1600" b="0" i="0" u="none" strike="noStrike" cap="none" normalizeH="0" baseline="0" dirty="0" smtClean="0">
-              <a:ln>
-                <a:noFill/>
-              </a:ln>
-              <a:solidFill>
-                <a:schemeClr val="tx1"/>
-              </a:solidFill>
-              <a:effectLst/>
-              <a:latin typeface="Arial" panose="020B0604020202020204" pitchFamily="34" charset="0"/>
-            </a:endParaRPr>
-          </a:p>
-          <a:p>
-            <a:pPr marL="0" marR="0" lvl="0" indent="0" algn="l" defTabSz="914400" rtl="0" eaLnBrk="0" fontAlgn="base" latinLnBrk="0" hangingPunct="0">
-              <a:lnSpc>
-                <a:spcPct val="100000"/>
-              </a:lnSpc>
-              <a:spcBef>
-                <a:spcPct val="0"/>
-              </a:spcBef>
-              <a:spcAft>
-                <a:spcPct val="0"/>
-              </a:spcAft>
-              <a:buClrTx/>
-              <a:buSzTx/>
-              <a:buFontTx/>
-              <a:buAutoNum type="arabicPeriod" startAt="6"/>
-              <a:tabLst/>
-            </a:pPr>
-            <a:r>
-              <a:rPr kumimoji="0" lang="en-US" altLang="en-US" sz="1600" b="1" i="0" u="none" strike="noStrike" cap="none" normalizeH="0" baseline="0" dirty="0" smtClean="0">
-                <a:ln>
-                  <a:noFill/>
-                </a:ln>
-                <a:solidFill>
-                  <a:schemeClr val="tx1"/>
-                </a:solidFill>
-                <a:effectLst/>
-                <a:latin typeface="Arial" panose="020B0604020202020204" pitchFamily="34" charset="0"/>
-              </a:rPr>
-              <a:t>Overall Trend</a:t>
-            </a:r>
-            <a:r>
-              <a:rPr kumimoji="0" lang="en-US" altLang="en-US" sz="1600" b="0" i="0" u="none" strike="noStrike" cap="none" normalizeH="0" baseline="0" dirty="0" smtClean="0">
-                <a:ln>
-                  <a:noFill/>
-                </a:ln>
-                <a:solidFill>
-                  <a:schemeClr val="tx1"/>
-                </a:solidFill>
-                <a:effectLst/>
-                <a:latin typeface="Arial" panose="020B0604020202020204" pitchFamily="34" charset="0"/>
-              </a:rPr>
-              <a:t>: The data suggests that </a:t>
-            </a:r>
-            <a:r>
-              <a:rPr kumimoji="0" lang="en-US" altLang="en-US" sz="1600" b="1" i="0" u="none" strike="noStrike" cap="none" normalizeH="0" baseline="0" dirty="0" smtClean="0">
-                <a:ln>
-                  <a:noFill/>
-                </a:ln>
-                <a:solidFill>
-                  <a:schemeClr val="tx1"/>
-                </a:solidFill>
-                <a:effectLst/>
-                <a:latin typeface="Arial" panose="020B0604020202020204" pitchFamily="34" charset="0"/>
-              </a:rPr>
-              <a:t>Design</a:t>
-            </a:r>
-            <a:r>
-              <a:rPr kumimoji="0" lang="en-US" altLang="en-US" sz="1600" b="0" i="0" u="none" strike="noStrike" cap="none" normalizeH="0" baseline="0" dirty="0" smtClean="0">
-                <a:ln>
-                  <a:noFill/>
-                </a:ln>
-                <a:solidFill>
-                  <a:schemeClr val="tx1"/>
-                </a:solidFill>
-                <a:effectLst/>
-                <a:latin typeface="Arial" panose="020B0604020202020204" pitchFamily="34" charset="0"/>
-              </a:rPr>
-              <a:t> and </a:t>
-            </a:r>
-            <a:r>
-              <a:rPr kumimoji="0" lang="en-US" altLang="en-US" sz="1600" b="1" i="0" u="none" strike="noStrike" cap="none" normalizeH="0" baseline="0" dirty="0" smtClean="0">
-                <a:ln>
-                  <a:noFill/>
-                </a:ln>
-                <a:solidFill>
-                  <a:schemeClr val="tx1"/>
-                </a:solidFill>
-                <a:effectLst/>
-                <a:latin typeface="Arial" panose="020B0604020202020204" pitchFamily="34" charset="0"/>
-              </a:rPr>
-              <a:t>Search Engine</a:t>
-            </a:r>
-            <a:r>
-              <a:rPr kumimoji="0" lang="en-US" altLang="en-US" sz="1600" b="0" i="0" u="none" strike="noStrike" cap="none" normalizeH="0" baseline="0" dirty="0" smtClean="0">
-                <a:ln>
-                  <a:noFill/>
-                </a:ln>
-                <a:solidFill>
-                  <a:schemeClr val="tx1"/>
-                </a:solidFill>
-                <a:effectLst/>
-                <a:latin typeface="Arial" panose="020B0604020202020204" pitchFamily="34" charset="0"/>
-              </a:rPr>
-              <a:t> departments receive the highest salary allocations across the companies.</a:t>
-            </a:r>
-          </a:p>
-          <a:p>
-            <a:pPr marL="0" marR="0" lvl="0" indent="0" algn="l" defTabSz="914400" rtl="0" eaLnBrk="0" fontAlgn="base" latinLnBrk="0" hangingPunct="0">
-              <a:lnSpc>
-                <a:spcPct val="100000"/>
-              </a:lnSpc>
-              <a:spcBef>
-                <a:spcPct val="0"/>
-              </a:spcBef>
-              <a:spcAft>
-                <a:spcPct val="0"/>
-              </a:spcAft>
-              <a:buClrTx/>
-              <a:buSzTx/>
-              <a:buFontTx/>
-              <a:buNone/>
-              <a:tabLst/>
-            </a:pPr>
-            <a:endParaRPr kumimoji="0" lang="en-US" altLang="en-US" sz="1600" b="0" i="0" u="none" strike="noStrike" cap="none" normalizeH="0" baseline="0" dirty="0" smtClean="0">
-              <a:ln>
-                <a:noFill/>
-              </a:ln>
-              <a:solidFill>
-                <a:schemeClr val="tx1"/>
-              </a:solidFill>
-              <a:effectLst/>
-              <a:latin typeface="Arial" panose="020B0604020202020204" pitchFamily="34" charset="0"/>
-            </a:endParaRPr>
-          </a:p>
-        </p:txBody>
-      </p:sp>
+      <p:graphicFrame>
+        <p:nvGraphicFramePr>
+          <p:cNvPr id="8" name="Table 7"/>
+          <p:cNvGraphicFramePr>
+            <a:graphicFrameLocks noGrp="1"/>
+          </p:cNvGraphicFramePr>
+          <p:nvPr>
+            <p:extLst>
+              <p:ext uri="{D42A27DB-BD31-4B8C-83A1-F6EECF244321}">
+                <p14:modId xmlns:p14="http://schemas.microsoft.com/office/powerpoint/2010/main" val="1081869247"/>
+              </p:ext>
+            </p:extLst>
+          </p:nvPr>
+        </p:nvGraphicFramePr>
+        <p:xfrm>
+          <a:off x="609600" y="1485900"/>
+          <a:ext cx="7835897" cy="1066800"/>
+        </p:xfrm>
+        <a:graphic>
+          <a:graphicData uri="http://schemas.openxmlformats.org/drawingml/2006/table">
+            <a:tbl>
+              <a:tblPr>
+                <a:tableStyleId>{5C22544A-7EE6-4342-B048-85BDC9FD1C3A}</a:tableStyleId>
+              </a:tblPr>
+              <a:tblGrid>
+                <a:gridCol w="1035178">
+                  <a:extLst>
+                    <a:ext uri="{9D8B030D-6E8A-4147-A177-3AD203B41FA5}">
+                      <a16:colId xmlns:a16="http://schemas.microsoft.com/office/drawing/2014/main" val="656955250"/>
+                    </a:ext>
+                  </a:extLst>
+                </a:gridCol>
+                <a:gridCol w="1087590">
+                  <a:extLst>
+                    <a:ext uri="{9D8B030D-6E8A-4147-A177-3AD203B41FA5}">
+                      <a16:colId xmlns:a16="http://schemas.microsoft.com/office/drawing/2014/main" val="2923222169"/>
+                    </a:ext>
+                  </a:extLst>
+                </a:gridCol>
+                <a:gridCol w="877935">
+                  <a:extLst>
+                    <a:ext uri="{9D8B030D-6E8A-4147-A177-3AD203B41FA5}">
+                      <a16:colId xmlns:a16="http://schemas.microsoft.com/office/drawing/2014/main" val="914507804"/>
+                    </a:ext>
+                  </a:extLst>
+                </a:gridCol>
+                <a:gridCol w="877935">
+                  <a:extLst>
+                    <a:ext uri="{9D8B030D-6E8A-4147-A177-3AD203B41FA5}">
+                      <a16:colId xmlns:a16="http://schemas.microsoft.com/office/drawing/2014/main" val="2154548327"/>
+                    </a:ext>
+                  </a:extLst>
+                </a:gridCol>
+                <a:gridCol w="877935">
+                  <a:extLst>
+                    <a:ext uri="{9D8B030D-6E8A-4147-A177-3AD203B41FA5}">
+                      <a16:colId xmlns:a16="http://schemas.microsoft.com/office/drawing/2014/main" val="3584935440"/>
+                    </a:ext>
+                  </a:extLst>
+                </a:gridCol>
+                <a:gridCol w="956555">
+                  <a:extLst>
+                    <a:ext uri="{9D8B030D-6E8A-4147-A177-3AD203B41FA5}">
+                      <a16:colId xmlns:a16="http://schemas.microsoft.com/office/drawing/2014/main" val="4135565008"/>
+                    </a:ext>
+                  </a:extLst>
+                </a:gridCol>
+                <a:gridCol w="877935">
+                  <a:extLst>
+                    <a:ext uri="{9D8B030D-6E8A-4147-A177-3AD203B41FA5}">
+                      <a16:colId xmlns:a16="http://schemas.microsoft.com/office/drawing/2014/main" val="3231039980"/>
+                    </a:ext>
+                  </a:extLst>
+                </a:gridCol>
+                <a:gridCol w="1244834">
+                  <a:extLst>
+                    <a:ext uri="{9D8B030D-6E8A-4147-A177-3AD203B41FA5}">
+                      <a16:colId xmlns:a16="http://schemas.microsoft.com/office/drawing/2014/main" val="309270856"/>
+                    </a:ext>
+                  </a:extLst>
+                </a:gridCol>
+              </a:tblGrid>
+              <a:tr h="177800">
+                <a:tc>
+                  <a:txBody>
+                    <a:bodyPr/>
+                    <a:lstStyle/>
+                    <a:p>
+                      <a:pPr algn="l" fontAlgn="b"/>
+                      <a:r>
+                        <a:rPr lang="en-IN" sz="1100" u="none" strike="noStrike">
+                          <a:effectLst/>
+                        </a:rPr>
+                        <a:t>Sum of SALARY</a:t>
+                      </a:r>
+                      <a:endParaRPr lang="en-IN" sz="1100" b="1" i="0" u="none" strike="noStrike">
+                        <a:solidFill>
+                          <a:srgbClr val="000000"/>
+                        </a:solidFill>
+                        <a:effectLst/>
+                        <a:latin typeface="Calibri" panose="020F0502020204030204" pitchFamily="34" charset="0"/>
+                      </a:endParaRPr>
+                    </a:p>
+                  </a:txBody>
+                  <a:tcPr marL="9525" marR="9525" marT="9525" marB="0" anchor="b"/>
+                </a:tc>
+                <a:tc>
+                  <a:txBody>
+                    <a:bodyPr/>
+                    <a:lstStyle/>
+                    <a:p>
+                      <a:pPr algn="l" fontAlgn="b"/>
+                      <a:r>
+                        <a:rPr lang="en-IN" sz="1100" u="none" strike="noStrike">
+                          <a:effectLst/>
+                        </a:rPr>
+                        <a:t>Column Labels</a:t>
+                      </a:r>
+                      <a:endParaRPr lang="en-IN" sz="1100" b="1" i="0" u="none" strike="noStrike">
+                        <a:solidFill>
+                          <a:srgbClr val="000000"/>
+                        </a:solidFill>
+                        <a:effectLst/>
+                        <a:latin typeface="Calibri" panose="020F0502020204030204" pitchFamily="34" charset="0"/>
+                      </a:endParaRPr>
+                    </a:p>
+                  </a:txBody>
+                  <a:tcPr marL="9525" marR="9525" marT="9525" marB="0" anchor="b"/>
+                </a:tc>
+                <a:tc>
+                  <a:txBody>
+                    <a:bodyPr/>
+                    <a:lstStyle/>
+                    <a:p>
+                      <a:pPr algn="l" fontAlgn="b"/>
+                      <a:endParaRPr lang="en-IN" sz="1100" b="1" i="0" u="none" strike="noStrike">
+                        <a:solidFill>
+                          <a:srgbClr val="000000"/>
+                        </a:solidFill>
+                        <a:effectLst/>
+                        <a:latin typeface="Calibri" panose="020F0502020204030204" pitchFamily="34" charset="0"/>
+                      </a:endParaRPr>
+                    </a:p>
+                  </a:txBody>
+                  <a:tcPr marL="9525" marR="9525" marT="9525" marB="0" anchor="b"/>
+                </a:tc>
+                <a:tc>
+                  <a:txBody>
+                    <a:bodyPr/>
+                    <a:lstStyle/>
+                    <a:p>
+                      <a:pPr algn="l" fontAlgn="b"/>
+                      <a:endParaRPr lang="en-IN" sz="1100" b="1" i="0" u="none" strike="noStrike">
+                        <a:solidFill>
+                          <a:srgbClr val="000000"/>
+                        </a:solidFill>
+                        <a:effectLst/>
+                        <a:latin typeface="Calibri" panose="020F0502020204030204" pitchFamily="34" charset="0"/>
+                      </a:endParaRPr>
+                    </a:p>
+                  </a:txBody>
+                  <a:tcPr marL="9525" marR="9525" marT="9525" marB="0" anchor="b"/>
+                </a:tc>
+                <a:tc>
+                  <a:txBody>
+                    <a:bodyPr/>
+                    <a:lstStyle/>
+                    <a:p>
+                      <a:pPr algn="l" fontAlgn="b"/>
+                      <a:endParaRPr lang="en-IN" sz="1100" b="1" i="0" u="none" strike="noStrike">
+                        <a:solidFill>
+                          <a:srgbClr val="000000"/>
+                        </a:solidFill>
+                        <a:effectLst/>
+                        <a:latin typeface="Calibri" panose="020F0502020204030204" pitchFamily="34" charset="0"/>
+                      </a:endParaRPr>
+                    </a:p>
+                  </a:txBody>
+                  <a:tcPr marL="9525" marR="9525" marT="9525" marB="0" anchor="b"/>
+                </a:tc>
+                <a:tc>
+                  <a:txBody>
+                    <a:bodyPr/>
+                    <a:lstStyle/>
+                    <a:p>
+                      <a:pPr algn="l" fontAlgn="b"/>
+                      <a:endParaRPr lang="en-IN" sz="1100" b="1" i="0" u="none" strike="noStrike">
+                        <a:solidFill>
+                          <a:srgbClr val="000000"/>
+                        </a:solidFill>
+                        <a:effectLst/>
+                        <a:latin typeface="Calibri" panose="020F0502020204030204" pitchFamily="34" charset="0"/>
+                      </a:endParaRPr>
+                    </a:p>
+                  </a:txBody>
+                  <a:tcPr marL="9525" marR="9525" marT="9525" marB="0" anchor="b"/>
+                </a:tc>
+                <a:tc>
+                  <a:txBody>
+                    <a:bodyPr/>
+                    <a:lstStyle/>
+                    <a:p>
+                      <a:pPr algn="l" fontAlgn="b"/>
+                      <a:endParaRPr lang="en-IN" sz="1100" b="1" i="0" u="none" strike="noStrike">
+                        <a:solidFill>
+                          <a:srgbClr val="000000"/>
+                        </a:solidFill>
+                        <a:effectLst/>
+                        <a:latin typeface="Calibri" panose="020F0502020204030204" pitchFamily="34" charset="0"/>
+                      </a:endParaRPr>
+                    </a:p>
+                  </a:txBody>
+                  <a:tcPr marL="9525" marR="9525" marT="9525" marB="0" anchor="b"/>
+                </a:tc>
+                <a:tc>
+                  <a:txBody>
+                    <a:bodyPr/>
+                    <a:lstStyle/>
+                    <a:p>
+                      <a:pPr algn="l" fontAlgn="b"/>
+                      <a:endParaRPr lang="en-IN" sz="1100" b="1" i="0" u="none" strike="noStrike">
+                        <a:solidFill>
+                          <a:srgbClr val="000000"/>
+                        </a:solidFill>
+                        <a:effectLst/>
+                        <a:latin typeface="Calibri" panose="020F0502020204030204" pitchFamily="34" charset="0"/>
+                      </a:endParaRPr>
+                    </a:p>
+                  </a:txBody>
+                  <a:tcPr marL="9525" marR="9525" marT="9525" marB="0" anchor="b"/>
+                </a:tc>
+                <a:extLst>
+                  <a:ext uri="{0D108BD9-81ED-4DB2-BD59-A6C34878D82A}">
+                    <a16:rowId xmlns:a16="http://schemas.microsoft.com/office/drawing/2014/main" val="4054278058"/>
+                  </a:ext>
+                </a:extLst>
+              </a:tr>
+              <a:tr h="177800">
+                <a:tc>
+                  <a:txBody>
+                    <a:bodyPr/>
+                    <a:lstStyle/>
+                    <a:p>
+                      <a:pPr algn="l" fontAlgn="b"/>
+                      <a:r>
+                        <a:rPr lang="en-IN" sz="1100" u="none" strike="noStrike">
+                          <a:effectLst/>
+                        </a:rPr>
+                        <a:t>Row Labels</a:t>
+                      </a:r>
+                      <a:endParaRPr lang="en-IN" sz="1100" b="1" i="0" u="none" strike="noStrike">
+                        <a:solidFill>
+                          <a:srgbClr val="000000"/>
+                        </a:solidFill>
+                        <a:effectLst/>
+                        <a:latin typeface="Calibri" panose="020F0502020204030204" pitchFamily="34" charset="0"/>
+                      </a:endParaRPr>
+                    </a:p>
+                  </a:txBody>
+                  <a:tcPr marL="9525" marR="9525" marT="9525" marB="0" anchor="b"/>
+                </a:tc>
+                <a:tc>
+                  <a:txBody>
+                    <a:bodyPr/>
+                    <a:lstStyle/>
+                    <a:p>
+                      <a:pPr algn="l" fontAlgn="b"/>
+                      <a:r>
+                        <a:rPr lang="en-IN" sz="1100" u="none" strike="noStrike">
+                          <a:effectLst/>
+                        </a:rPr>
+                        <a:t>AI</a:t>
+                      </a:r>
+                      <a:endParaRPr lang="en-IN" sz="1100" b="1" i="0" u="none" strike="noStrike">
+                        <a:solidFill>
+                          <a:srgbClr val="000000"/>
+                        </a:solidFill>
+                        <a:effectLst/>
+                        <a:latin typeface="Calibri" panose="020F0502020204030204" pitchFamily="34" charset="0"/>
+                      </a:endParaRPr>
+                    </a:p>
+                  </a:txBody>
+                  <a:tcPr marL="9525" marR="9525" marT="9525" marB="0" anchor="b"/>
+                </a:tc>
+                <a:tc>
+                  <a:txBody>
+                    <a:bodyPr/>
+                    <a:lstStyle/>
+                    <a:p>
+                      <a:pPr algn="l" fontAlgn="b"/>
+                      <a:r>
+                        <a:rPr lang="en-IN" sz="1100" u="none" strike="noStrike">
+                          <a:effectLst/>
+                        </a:rPr>
+                        <a:t>BigData</a:t>
+                      </a:r>
+                      <a:endParaRPr lang="en-IN" sz="1100" b="1" i="0" u="none" strike="noStrike">
+                        <a:solidFill>
+                          <a:srgbClr val="000000"/>
+                        </a:solidFill>
+                        <a:effectLst/>
+                        <a:latin typeface="Calibri" panose="020F0502020204030204" pitchFamily="34" charset="0"/>
+                      </a:endParaRPr>
+                    </a:p>
+                  </a:txBody>
+                  <a:tcPr marL="9525" marR="9525" marT="9525" marB="0" anchor="b"/>
+                </a:tc>
+                <a:tc>
+                  <a:txBody>
+                    <a:bodyPr/>
+                    <a:lstStyle/>
+                    <a:p>
+                      <a:pPr algn="l" fontAlgn="b"/>
+                      <a:r>
+                        <a:rPr lang="en-IN" sz="1100" u="none" strike="noStrike">
+                          <a:effectLst/>
+                        </a:rPr>
+                        <a:t>Design</a:t>
+                      </a:r>
+                      <a:endParaRPr lang="en-IN" sz="1100" b="1" i="0" u="none" strike="noStrike">
+                        <a:solidFill>
+                          <a:srgbClr val="000000"/>
+                        </a:solidFill>
+                        <a:effectLst/>
+                        <a:latin typeface="Calibri" panose="020F0502020204030204" pitchFamily="34" charset="0"/>
+                      </a:endParaRPr>
+                    </a:p>
+                  </a:txBody>
+                  <a:tcPr marL="9525" marR="9525" marT="9525" marB="0" anchor="b"/>
+                </a:tc>
+                <a:tc>
+                  <a:txBody>
+                    <a:bodyPr/>
+                    <a:lstStyle/>
+                    <a:p>
+                      <a:pPr algn="l" fontAlgn="b"/>
+                      <a:r>
+                        <a:rPr lang="en-IN" sz="1100" u="none" strike="noStrike">
+                          <a:effectLst/>
+                        </a:rPr>
+                        <a:t>Sales</a:t>
+                      </a:r>
+                      <a:endParaRPr lang="en-IN" sz="1100" b="1" i="0" u="none" strike="noStrike">
+                        <a:solidFill>
+                          <a:srgbClr val="000000"/>
+                        </a:solidFill>
+                        <a:effectLst/>
+                        <a:latin typeface="Calibri" panose="020F0502020204030204" pitchFamily="34" charset="0"/>
+                      </a:endParaRPr>
+                    </a:p>
+                  </a:txBody>
+                  <a:tcPr marL="9525" marR="9525" marT="9525" marB="0" anchor="b"/>
+                </a:tc>
+                <a:tc>
+                  <a:txBody>
+                    <a:bodyPr/>
+                    <a:lstStyle/>
+                    <a:p>
+                      <a:pPr algn="l" fontAlgn="b"/>
+                      <a:r>
+                        <a:rPr lang="en-IN" sz="1100" u="none" strike="noStrike">
+                          <a:effectLst/>
+                        </a:rPr>
+                        <a:t>Search Engine</a:t>
+                      </a:r>
+                      <a:endParaRPr lang="en-IN" sz="1100" b="1" i="0" u="none" strike="noStrike">
+                        <a:solidFill>
+                          <a:srgbClr val="000000"/>
+                        </a:solidFill>
+                        <a:effectLst/>
+                        <a:latin typeface="Calibri" panose="020F0502020204030204" pitchFamily="34" charset="0"/>
+                      </a:endParaRPr>
+                    </a:p>
+                  </a:txBody>
+                  <a:tcPr marL="9525" marR="9525" marT="9525" marB="0" anchor="b"/>
+                </a:tc>
+                <a:tc>
+                  <a:txBody>
+                    <a:bodyPr/>
+                    <a:lstStyle/>
+                    <a:p>
+                      <a:pPr algn="l" fontAlgn="b"/>
+                      <a:r>
+                        <a:rPr lang="en-IN" sz="1100" u="none" strike="noStrike">
+                          <a:effectLst/>
+                        </a:rPr>
+                        <a:t>Support</a:t>
+                      </a:r>
+                      <a:endParaRPr lang="en-IN" sz="1100" b="1" i="0" u="none" strike="noStrike">
+                        <a:solidFill>
+                          <a:srgbClr val="000000"/>
+                        </a:solidFill>
+                        <a:effectLst/>
+                        <a:latin typeface="Calibri" panose="020F0502020204030204" pitchFamily="34" charset="0"/>
+                      </a:endParaRPr>
+                    </a:p>
+                  </a:txBody>
+                  <a:tcPr marL="9525" marR="9525" marT="9525" marB="0" anchor="b"/>
+                </a:tc>
+                <a:tc>
+                  <a:txBody>
+                    <a:bodyPr/>
+                    <a:lstStyle/>
+                    <a:p>
+                      <a:pPr algn="l" fontAlgn="b"/>
+                      <a:r>
+                        <a:rPr lang="en-IN" sz="1100" u="none" strike="noStrike">
+                          <a:effectLst/>
+                        </a:rPr>
+                        <a:t>Grand Total</a:t>
+                      </a:r>
+                      <a:endParaRPr lang="en-IN" sz="1100" b="1" i="0" u="none" strike="noStrike">
+                        <a:solidFill>
+                          <a:srgbClr val="000000"/>
+                        </a:solidFill>
+                        <a:effectLst/>
+                        <a:latin typeface="Calibri" panose="020F0502020204030204" pitchFamily="34" charset="0"/>
+                      </a:endParaRPr>
+                    </a:p>
+                  </a:txBody>
+                  <a:tcPr marL="9525" marR="9525" marT="9525" marB="0" anchor="b"/>
+                </a:tc>
+                <a:extLst>
+                  <a:ext uri="{0D108BD9-81ED-4DB2-BD59-A6C34878D82A}">
+                    <a16:rowId xmlns:a16="http://schemas.microsoft.com/office/drawing/2014/main" val="3864919465"/>
+                  </a:ext>
+                </a:extLst>
+              </a:tr>
+              <a:tr h="177800">
+                <a:tc>
+                  <a:txBody>
+                    <a:bodyPr/>
+                    <a:lstStyle/>
+                    <a:p>
+                      <a:pPr algn="l" fontAlgn="b"/>
+                      <a:r>
+                        <a:rPr lang="en-IN" sz="1100" u="none" strike="noStrike">
+                          <a:effectLst/>
+                        </a:rPr>
+                        <a:t>Cheerper</a:t>
+                      </a:r>
+                      <a:endParaRPr lang="en-IN" sz="1100" b="0" i="0" u="none" strike="noStrike">
+                        <a:solidFill>
+                          <a:srgbClr val="000000"/>
+                        </a:solidFill>
+                        <a:effectLst/>
+                        <a:latin typeface="Calibri" panose="020F0502020204030204" pitchFamily="34" charset="0"/>
+                      </a:endParaRPr>
+                    </a:p>
+                  </a:txBody>
+                  <a:tcPr marL="9525" marR="9525" marT="9525" marB="0" anchor="b"/>
+                </a:tc>
+                <a:tc>
+                  <a:txBody>
+                    <a:bodyPr/>
+                    <a:lstStyle/>
+                    <a:p>
+                      <a:pPr algn="l" fontAlgn="b"/>
+                      <a:endParaRPr lang="en-IN" sz="1100" b="0" i="0" u="none" strike="noStrike">
+                        <a:solidFill>
+                          <a:srgbClr val="000000"/>
+                        </a:solidFill>
+                        <a:effectLst/>
+                        <a:latin typeface="Calibri" panose="020F0502020204030204" pitchFamily="34" charset="0"/>
+                      </a:endParaRPr>
+                    </a:p>
+                  </a:txBody>
+                  <a:tcPr marL="9525" marR="9525" marT="9525" marB="0" anchor="b"/>
+                </a:tc>
+                <a:tc>
+                  <a:txBody>
+                    <a:bodyPr/>
+                    <a:lstStyle/>
+                    <a:p>
+                      <a:pPr algn="r" fontAlgn="b"/>
+                      <a:r>
+                        <a:rPr lang="en-IN" sz="1100" u="none" strike="noStrike">
+                          <a:effectLst/>
+                        </a:rPr>
+                        <a:t>119684.9133</a:t>
+                      </a:r>
+                      <a:endParaRPr lang="en-IN" sz="1100" b="0" i="0" u="none" strike="noStrike">
+                        <a:solidFill>
+                          <a:srgbClr val="000000"/>
+                        </a:solidFill>
+                        <a:effectLst/>
+                        <a:latin typeface="Calibri" panose="020F0502020204030204" pitchFamily="34" charset="0"/>
+                      </a:endParaRPr>
+                    </a:p>
+                  </a:txBody>
+                  <a:tcPr marL="9525" marR="9525" marT="9525" marB="0" anchor="b"/>
+                </a:tc>
+                <a:tc>
+                  <a:txBody>
+                    <a:bodyPr/>
+                    <a:lstStyle/>
+                    <a:p>
+                      <a:pPr algn="l" fontAlgn="b"/>
+                      <a:endParaRPr lang="en-IN" sz="1100" b="0" i="0" u="none" strike="noStrike">
+                        <a:solidFill>
+                          <a:srgbClr val="000000"/>
+                        </a:solidFill>
+                        <a:effectLst/>
+                        <a:latin typeface="Calibri" panose="020F0502020204030204" pitchFamily="34" charset="0"/>
+                      </a:endParaRPr>
+                    </a:p>
+                  </a:txBody>
+                  <a:tcPr marL="9525" marR="9525" marT="9525" marB="0" anchor="b"/>
+                </a:tc>
+                <a:tc>
+                  <a:txBody>
+                    <a:bodyPr/>
+                    <a:lstStyle/>
+                    <a:p>
+                      <a:pPr algn="l" fontAlgn="b"/>
+                      <a:endParaRPr lang="en-IN" sz="1100" b="0" i="0" u="none" strike="noStrike">
+                        <a:solidFill>
+                          <a:srgbClr val="000000"/>
+                        </a:solidFill>
+                        <a:effectLst/>
+                        <a:latin typeface="Calibri" panose="020F0502020204030204" pitchFamily="34" charset="0"/>
+                      </a:endParaRPr>
+                    </a:p>
+                  </a:txBody>
+                  <a:tcPr marL="9525" marR="9525" marT="9525" marB="0" anchor="b"/>
+                </a:tc>
+                <a:tc>
+                  <a:txBody>
+                    <a:bodyPr/>
+                    <a:lstStyle/>
+                    <a:p>
+                      <a:pPr algn="r" fontAlgn="b"/>
+                      <a:r>
+                        <a:rPr lang="en-IN" sz="1100" u="none" strike="noStrike">
+                          <a:effectLst/>
+                        </a:rPr>
+                        <a:t>106540.1545</a:t>
+                      </a:r>
+                      <a:endParaRPr lang="en-IN" sz="1100" b="0" i="0" u="none" strike="noStrike">
+                        <a:solidFill>
+                          <a:srgbClr val="000000"/>
+                        </a:solidFill>
+                        <a:effectLst/>
+                        <a:latin typeface="Calibri" panose="020F0502020204030204" pitchFamily="34" charset="0"/>
+                      </a:endParaRPr>
+                    </a:p>
+                  </a:txBody>
+                  <a:tcPr marL="9525" marR="9525" marT="9525" marB="0" anchor="b"/>
+                </a:tc>
+                <a:tc>
+                  <a:txBody>
+                    <a:bodyPr/>
+                    <a:lstStyle/>
+                    <a:p>
+                      <a:pPr algn="r" fontAlgn="b"/>
+                      <a:r>
+                        <a:rPr lang="en-IN" sz="1100" u="none" strike="noStrike">
+                          <a:effectLst/>
+                        </a:rPr>
+                        <a:t>155125.0531</a:t>
+                      </a:r>
+                      <a:endParaRPr lang="en-IN" sz="1100" b="0" i="0" u="none" strike="noStrike">
+                        <a:solidFill>
+                          <a:srgbClr val="000000"/>
+                        </a:solidFill>
+                        <a:effectLst/>
+                        <a:latin typeface="Calibri" panose="020F0502020204030204" pitchFamily="34" charset="0"/>
+                      </a:endParaRPr>
+                    </a:p>
+                  </a:txBody>
+                  <a:tcPr marL="9525" marR="9525" marT="9525" marB="0" anchor="b"/>
+                </a:tc>
+                <a:tc>
+                  <a:txBody>
+                    <a:bodyPr/>
+                    <a:lstStyle/>
+                    <a:p>
+                      <a:pPr algn="r" fontAlgn="b"/>
+                      <a:r>
+                        <a:rPr lang="en-IN" sz="1100" u="none" strike="noStrike" dirty="0">
+                          <a:effectLst/>
+                        </a:rPr>
+                        <a:t>381350.1208</a:t>
+                      </a:r>
+                      <a:endParaRPr lang="en-IN" sz="1100" b="0" i="0" u="none" strike="noStrike" dirty="0">
+                        <a:solidFill>
+                          <a:srgbClr val="000000"/>
+                        </a:solidFill>
+                        <a:effectLst/>
+                        <a:latin typeface="Calibri" panose="020F0502020204030204" pitchFamily="34" charset="0"/>
+                      </a:endParaRPr>
+                    </a:p>
+                  </a:txBody>
+                  <a:tcPr marL="9525" marR="9525" marT="9525" marB="0" anchor="b"/>
+                </a:tc>
+                <a:extLst>
+                  <a:ext uri="{0D108BD9-81ED-4DB2-BD59-A6C34878D82A}">
+                    <a16:rowId xmlns:a16="http://schemas.microsoft.com/office/drawing/2014/main" val="982013481"/>
+                  </a:ext>
+                </a:extLst>
+              </a:tr>
+              <a:tr h="177800">
+                <a:tc>
+                  <a:txBody>
+                    <a:bodyPr/>
+                    <a:lstStyle/>
+                    <a:p>
+                      <a:pPr algn="l" fontAlgn="b"/>
+                      <a:r>
+                        <a:rPr lang="en-IN" sz="1100" u="none" strike="noStrike">
+                          <a:effectLst/>
+                        </a:rPr>
+                        <a:t>Glasses</a:t>
+                      </a:r>
+                      <a:endParaRPr lang="en-IN" sz="1100" b="0" i="0" u="none" strike="noStrike">
+                        <a:solidFill>
+                          <a:srgbClr val="000000"/>
+                        </a:solidFill>
+                        <a:effectLst/>
+                        <a:latin typeface="Calibri" panose="020F0502020204030204" pitchFamily="34" charset="0"/>
+                      </a:endParaRPr>
+                    </a:p>
+                  </a:txBody>
+                  <a:tcPr marL="9525" marR="9525" marT="9525" marB="0" anchor="b"/>
+                </a:tc>
+                <a:tc>
+                  <a:txBody>
+                    <a:bodyPr/>
+                    <a:lstStyle/>
+                    <a:p>
+                      <a:pPr algn="r" fontAlgn="b"/>
+                      <a:r>
+                        <a:rPr lang="en-IN" sz="1100" u="none" strike="noStrike">
+                          <a:effectLst/>
+                        </a:rPr>
+                        <a:t>49092.14746</a:t>
+                      </a:r>
+                      <a:endParaRPr lang="en-IN" sz="1100" b="0" i="0" u="none" strike="noStrike">
+                        <a:solidFill>
+                          <a:srgbClr val="000000"/>
+                        </a:solidFill>
+                        <a:effectLst/>
+                        <a:latin typeface="Calibri" panose="020F0502020204030204" pitchFamily="34" charset="0"/>
+                      </a:endParaRPr>
+                    </a:p>
+                  </a:txBody>
+                  <a:tcPr marL="9525" marR="9525" marT="9525" marB="0" anchor="b"/>
+                </a:tc>
+                <a:tc>
+                  <a:txBody>
+                    <a:bodyPr/>
+                    <a:lstStyle/>
+                    <a:p>
+                      <a:pPr algn="r" fontAlgn="b"/>
+                      <a:r>
+                        <a:rPr lang="en-IN" sz="1100" u="none" strike="noStrike">
+                          <a:effectLst/>
+                        </a:rPr>
+                        <a:t>68074.97135</a:t>
+                      </a:r>
+                      <a:endParaRPr lang="en-IN" sz="1100" b="0" i="0" u="none" strike="noStrike">
+                        <a:solidFill>
+                          <a:srgbClr val="000000"/>
+                        </a:solidFill>
+                        <a:effectLst/>
+                        <a:latin typeface="Calibri" panose="020F0502020204030204" pitchFamily="34" charset="0"/>
+                      </a:endParaRPr>
+                    </a:p>
+                  </a:txBody>
+                  <a:tcPr marL="9525" marR="9525" marT="9525" marB="0" anchor="b"/>
+                </a:tc>
+                <a:tc>
+                  <a:txBody>
+                    <a:bodyPr/>
+                    <a:lstStyle/>
+                    <a:p>
+                      <a:pPr algn="r" fontAlgn="b"/>
+                      <a:r>
+                        <a:rPr lang="en-IN" sz="1100" u="none" strike="noStrike">
+                          <a:effectLst/>
+                        </a:rPr>
+                        <a:t>328435.8747</a:t>
+                      </a:r>
+                      <a:endParaRPr lang="en-IN" sz="1100" b="0" i="0" u="none" strike="noStrike">
+                        <a:solidFill>
+                          <a:srgbClr val="000000"/>
+                        </a:solidFill>
+                        <a:effectLst/>
+                        <a:latin typeface="Calibri" panose="020F0502020204030204" pitchFamily="34" charset="0"/>
+                      </a:endParaRPr>
+                    </a:p>
+                  </a:txBody>
+                  <a:tcPr marL="9525" marR="9525" marT="9525" marB="0" anchor="b"/>
+                </a:tc>
+                <a:tc>
+                  <a:txBody>
+                    <a:bodyPr/>
+                    <a:lstStyle/>
+                    <a:p>
+                      <a:pPr algn="l" fontAlgn="b"/>
+                      <a:endParaRPr lang="en-IN" sz="1100" b="0" i="0" u="none" strike="noStrike">
+                        <a:solidFill>
+                          <a:srgbClr val="000000"/>
+                        </a:solidFill>
+                        <a:effectLst/>
+                        <a:latin typeface="Calibri" panose="020F0502020204030204" pitchFamily="34" charset="0"/>
+                      </a:endParaRPr>
+                    </a:p>
+                  </a:txBody>
+                  <a:tcPr marL="9525" marR="9525" marT="9525" marB="0" anchor="b"/>
+                </a:tc>
+                <a:tc>
+                  <a:txBody>
+                    <a:bodyPr/>
+                    <a:lstStyle/>
+                    <a:p>
+                      <a:pPr algn="r" fontAlgn="b"/>
+                      <a:r>
+                        <a:rPr lang="en-IN" sz="1100" u="none" strike="noStrike">
+                          <a:effectLst/>
+                        </a:rPr>
+                        <a:t>370922.9695</a:t>
+                      </a:r>
+                      <a:endParaRPr lang="en-IN" sz="1100" b="0" i="0" u="none" strike="noStrike">
+                        <a:solidFill>
+                          <a:srgbClr val="000000"/>
+                        </a:solidFill>
+                        <a:effectLst/>
+                        <a:latin typeface="Calibri" panose="020F0502020204030204" pitchFamily="34" charset="0"/>
+                      </a:endParaRPr>
+                    </a:p>
+                  </a:txBody>
+                  <a:tcPr marL="9525" marR="9525" marT="9525" marB="0" anchor="b"/>
+                </a:tc>
+                <a:tc>
+                  <a:txBody>
+                    <a:bodyPr/>
+                    <a:lstStyle/>
+                    <a:p>
+                      <a:pPr algn="r" fontAlgn="b"/>
+                      <a:r>
+                        <a:rPr lang="en-IN" sz="1100" u="none" strike="noStrike">
+                          <a:effectLst/>
+                        </a:rPr>
+                        <a:t>40000</a:t>
+                      </a:r>
+                      <a:endParaRPr lang="en-IN" sz="1100" b="0" i="0" u="none" strike="noStrike">
+                        <a:solidFill>
+                          <a:srgbClr val="000000"/>
+                        </a:solidFill>
+                        <a:effectLst/>
+                        <a:latin typeface="Calibri" panose="020F0502020204030204" pitchFamily="34" charset="0"/>
+                      </a:endParaRPr>
+                    </a:p>
+                  </a:txBody>
+                  <a:tcPr marL="9525" marR="9525" marT="9525" marB="0" anchor="b"/>
+                </a:tc>
+                <a:tc>
+                  <a:txBody>
+                    <a:bodyPr/>
+                    <a:lstStyle/>
+                    <a:p>
+                      <a:pPr algn="r" fontAlgn="b"/>
+                      <a:r>
+                        <a:rPr lang="en-IN" sz="1100" u="none" strike="noStrike" dirty="0">
+                          <a:effectLst/>
+                        </a:rPr>
+                        <a:t>856525.963</a:t>
+                      </a:r>
+                      <a:endParaRPr lang="en-IN" sz="1100" b="0" i="0" u="none" strike="noStrike" dirty="0">
+                        <a:solidFill>
+                          <a:srgbClr val="000000"/>
+                        </a:solidFill>
+                        <a:effectLst/>
+                        <a:latin typeface="Calibri" panose="020F0502020204030204" pitchFamily="34" charset="0"/>
+                      </a:endParaRPr>
+                    </a:p>
+                  </a:txBody>
+                  <a:tcPr marL="9525" marR="9525" marT="9525" marB="0" anchor="b"/>
+                </a:tc>
+                <a:extLst>
+                  <a:ext uri="{0D108BD9-81ED-4DB2-BD59-A6C34878D82A}">
+                    <a16:rowId xmlns:a16="http://schemas.microsoft.com/office/drawing/2014/main" val="1405847188"/>
+                  </a:ext>
+                </a:extLst>
+              </a:tr>
+              <a:tr h="177800">
+                <a:tc>
+                  <a:txBody>
+                    <a:bodyPr/>
+                    <a:lstStyle/>
+                    <a:p>
+                      <a:pPr algn="l" fontAlgn="b"/>
+                      <a:r>
+                        <a:rPr lang="en-IN" sz="1100" u="none" strike="noStrike">
+                          <a:effectLst/>
+                        </a:rPr>
+                        <a:t>Pear</a:t>
+                      </a:r>
+                      <a:endParaRPr lang="en-IN" sz="1100" b="0" i="0" u="none" strike="noStrike">
+                        <a:solidFill>
+                          <a:srgbClr val="000000"/>
+                        </a:solidFill>
+                        <a:effectLst/>
+                        <a:latin typeface="Calibri" panose="020F0502020204030204" pitchFamily="34" charset="0"/>
+                      </a:endParaRPr>
+                    </a:p>
+                  </a:txBody>
+                  <a:tcPr marL="9525" marR="9525" marT="9525" marB="0" anchor="b"/>
+                </a:tc>
+                <a:tc>
+                  <a:txBody>
+                    <a:bodyPr/>
+                    <a:lstStyle/>
+                    <a:p>
+                      <a:pPr algn="l" fontAlgn="b"/>
+                      <a:endParaRPr lang="en-IN" sz="1100" b="0" i="0" u="none" strike="noStrike">
+                        <a:solidFill>
+                          <a:srgbClr val="000000"/>
+                        </a:solidFill>
+                        <a:effectLst/>
+                        <a:latin typeface="Calibri" panose="020F0502020204030204" pitchFamily="34" charset="0"/>
+                      </a:endParaRPr>
+                    </a:p>
+                  </a:txBody>
+                  <a:tcPr marL="9525" marR="9525" marT="9525" marB="0" anchor="b"/>
+                </a:tc>
+                <a:tc>
+                  <a:txBody>
+                    <a:bodyPr/>
+                    <a:lstStyle/>
+                    <a:p>
+                      <a:pPr algn="l" fontAlgn="b"/>
+                      <a:endParaRPr lang="en-IN" sz="1100" b="0" i="0" u="none" strike="noStrike">
+                        <a:solidFill>
+                          <a:srgbClr val="000000"/>
+                        </a:solidFill>
+                        <a:effectLst/>
+                        <a:latin typeface="Calibri" panose="020F0502020204030204" pitchFamily="34" charset="0"/>
+                      </a:endParaRPr>
+                    </a:p>
+                  </a:txBody>
+                  <a:tcPr marL="9525" marR="9525" marT="9525" marB="0" anchor="b"/>
+                </a:tc>
+                <a:tc>
+                  <a:txBody>
+                    <a:bodyPr/>
+                    <a:lstStyle/>
+                    <a:p>
+                      <a:pPr algn="r" fontAlgn="b"/>
+                      <a:r>
+                        <a:rPr lang="en-IN" sz="1100" u="none" strike="noStrike">
+                          <a:effectLst/>
+                        </a:rPr>
+                        <a:t>225350.5971</a:t>
+                      </a:r>
+                      <a:endParaRPr lang="en-IN" sz="1100" b="0" i="0" u="none" strike="noStrike">
+                        <a:solidFill>
+                          <a:srgbClr val="000000"/>
+                        </a:solidFill>
+                        <a:effectLst/>
+                        <a:latin typeface="Calibri" panose="020F0502020204030204" pitchFamily="34" charset="0"/>
+                      </a:endParaRPr>
+                    </a:p>
+                  </a:txBody>
+                  <a:tcPr marL="9525" marR="9525" marT="9525" marB="0" anchor="b"/>
+                </a:tc>
+                <a:tc>
+                  <a:txBody>
+                    <a:bodyPr/>
+                    <a:lstStyle/>
+                    <a:p>
+                      <a:pPr algn="r" fontAlgn="b"/>
+                      <a:r>
+                        <a:rPr lang="en-IN" sz="1100" u="none" strike="noStrike">
+                          <a:effectLst/>
+                        </a:rPr>
+                        <a:t>115645.6338</a:t>
+                      </a:r>
+                      <a:endParaRPr lang="en-IN" sz="1100" b="0" i="0" u="none" strike="noStrike">
+                        <a:solidFill>
+                          <a:srgbClr val="000000"/>
+                        </a:solidFill>
+                        <a:effectLst/>
+                        <a:latin typeface="Calibri" panose="020F0502020204030204" pitchFamily="34" charset="0"/>
+                      </a:endParaRPr>
+                    </a:p>
+                  </a:txBody>
+                  <a:tcPr marL="9525" marR="9525" marT="9525" marB="0" anchor="b"/>
+                </a:tc>
+                <a:tc>
+                  <a:txBody>
+                    <a:bodyPr/>
+                    <a:lstStyle/>
+                    <a:p>
+                      <a:pPr algn="l" fontAlgn="b"/>
+                      <a:endParaRPr lang="en-IN" sz="1100" b="0" i="0" u="none" strike="noStrike">
+                        <a:solidFill>
+                          <a:srgbClr val="000000"/>
+                        </a:solidFill>
+                        <a:effectLst/>
+                        <a:latin typeface="Calibri" panose="020F0502020204030204" pitchFamily="34" charset="0"/>
+                      </a:endParaRPr>
+                    </a:p>
+                  </a:txBody>
+                  <a:tcPr marL="9525" marR="9525" marT="9525" marB="0" anchor="b"/>
+                </a:tc>
+                <a:tc>
+                  <a:txBody>
+                    <a:bodyPr/>
+                    <a:lstStyle/>
+                    <a:p>
+                      <a:pPr algn="l" fontAlgn="b"/>
+                      <a:endParaRPr lang="en-IN" sz="1100" b="0" i="0" u="none" strike="noStrike">
+                        <a:solidFill>
+                          <a:srgbClr val="000000"/>
+                        </a:solidFill>
+                        <a:effectLst/>
+                        <a:latin typeface="Calibri" panose="020F0502020204030204" pitchFamily="34" charset="0"/>
+                      </a:endParaRPr>
+                    </a:p>
+                  </a:txBody>
+                  <a:tcPr marL="9525" marR="9525" marT="9525" marB="0" anchor="b"/>
+                </a:tc>
+                <a:tc>
+                  <a:txBody>
+                    <a:bodyPr/>
+                    <a:lstStyle/>
+                    <a:p>
+                      <a:pPr algn="r" fontAlgn="b"/>
+                      <a:r>
+                        <a:rPr lang="en-IN" sz="1100" u="none" strike="noStrike">
+                          <a:effectLst/>
+                        </a:rPr>
+                        <a:t>340996.2309</a:t>
+                      </a:r>
+                      <a:endParaRPr lang="en-IN" sz="1100" b="0" i="0" u="none" strike="noStrike">
+                        <a:solidFill>
+                          <a:srgbClr val="000000"/>
+                        </a:solidFill>
+                        <a:effectLst/>
+                        <a:latin typeface="Calibri" panose="020F0502020204030204" pitchFamily="34" charset="0"/>
+                      </a:endParaRPr>
+                    </a:p>
+                  </a:txBody>
+                  <a:tcPr marL="9525" marR="9525" marT="9525" marB="0" anchor="b"/>
+                </a:tc>
+                <a:extLst>
+                  <a:ext uri="{0D108BD9-81ED-4DB2-BD59-A6C34878D82A}">
+                    <a16:rowId xmlns:a16="http://schemas.microsoft.com/office/drawing/2014/main" val="346119669"/>
+                  </a:ext>
+                </a:extLst>
+              </a:tr>
+              <a:tr h="177800">
+                <a:tc>
+                  <a:txBody>
+                    <a:bodyPr/>
+                    <a:lstStyle/>
+                    <a:p>
+                      <a:pPr algn="l" fontAlgn="b"/>
+                      <a:r>
+                        <a:rPr lang="en-IN" sz="1100" u="none" strike="noStrike">
+                          <a:effectLst/>
+                        </a:rPr>
+                        <a:t>Grand Total</a:t>
+                      </a:r>
+                      <a:endParaRPr lang="en-IN" sz="1100" b="1" i="0" u="none" strike="noStrike">
+                        <a:solidFill>
+                          <a:srgbClr val="000000"/>
+                        </a:solidFill>
+                        <a:effectLst/>
+                        <a:latin typeface="Calibri" panose="020F0502020204030204" pitchFamily="34" charset="0"/>
+                      </a:endParaRPr>
+                    </a:p>
+                  </a:txBody>
+                  <a:tcPr marL="9525" marR="9525" marT="9525" marB="0" anchor="b"/>
+                </a:tc>
+                <a:tc>
+                  <a:txBody>
+                    <a:bodyPr/>
+                    <a:lstStyle/>
+                    <a:p>
+                      <a:pPr algn="r" fontAlgn="b"/>
+                      <a:r>
+                        <a:rPr lang="en-IN" sz="1100" u="none" strike="noStrike">
+                          <a:effectLst/>
+                        </a:rPr>
+                        <a:t>49092.14746</a:t>
+                      </a:r>
+                      <a:endParaRPr lang="en-IN" sz="1100" b="1" i="0" u="none" strike="noStrike">
+                        <a:solidFill>
+                          <a:srgbClr val="000000"/>
+                        </a:solidFill>
+                        <a:effectLst/>
+                        <a:latin typeface="Calibri" panose="020F0502020204030204" pitchFamily="34" charset="0"/>
+                      </a:endParaRPr>
+                    </a:p>
+                  </a:txBody>
+                  <a:tcPr marL="9525" marR="9525" marT="9525" marB="0" anchor="b"/>
+                </a:tc>
+                <a:tc>
+                  <a:txBody>
+                    <a:bodyPr/>
+                    <a:lstStyle/>
+                    <a:p>
+                      <a:pPr algn="r" fontAlgn="b"/>
+                      <a:r>
+                        <a:rPr lang="en-IN" sz="1100" u="none" strike="noStrike">
+                          <a:effectLst/>
+                        </a:rPr>
+                        <a:t>187759.8846</a:t>
+                      </a:r>
+                      <a:endParaRPr lang="en-IN" sz="1100" b="1" i="0" u="none" strike="noStrike">
+                        <a:solidFill>
+                          <a:srgbClr val="000000"/>
+                        </a:solidFill>
+                        <a:effectLst/>
+                        <a:latin typeface="Calibri" panose="020F0502020204030204" pitchFamily="34" charset="0"/>
+                      </a:endParaRPr>
+                    </a:p>
+                  </a:txBody>
+                  <a:tcPr marL="9525" marR="9525" marT="9525" marB="0" anchor="b"/>
+                </a:tc>
+                <a:tc>
+                  <a:txBody>
+                    <a:bodyPr/>
+                    <a:lstStyle/>
+                    <a:p>
+                      <a:pPr algn="r" fontAlgn="b"/>
+                      <a:r>
+                        <a:rPr lang="en-IN" sz="1100" u="none" strike="noStrike">
+                          <a:effectLst/>
+                        </a:rPr>
+                        <a:t>553786.4718</a:t>
+                      </a:r>
+                      <a:endParaRPr lang="en-IN" sz="1100" b="1" i="0" u="none" strike="noStrike">
+                        <a:solidFill>
+                          <a:srgbClr val="000000"/>
+                        </a:solidFill>
+                        <a:effectLst/>
+                        <a:latin typeface="Calibri" panose="020F0502020204030204" pitchFamily="34" charset="0"/>
+                      </a:endParaRPr>
+                    </a:p>
+                  </a:txBody>
+                  <a:tcPr marL="9525" marR="9525" marT="9525" marB="0" anchor="b"/>
+                </a:tc>
+                <a:tc>
+                  <a:txBody>
+                    <a:bodyPr/>
+                    <a:lstStyle/>
+                    <a:p>
+                      <a:pPr algn="r" fontAlgn="b"/>
+                      <a:r>
+                        <a:rPr lang="en-IN" sz="1100" u="none" strike="noStrike">
+                          <a:effectLst/>
+                        </a:rPr>
+                        <a:t>115645.6338</a:t>
+                      </a:r>
+                      <a:endParaRPr lang="en-IN" sz="1100" b="1" i="0" u="none" strike="noStrike">
+                        <a:solidFill>
+                          <a:srgbClr val="000000"/>
+                        </a:solidFill>
+                        <a:effectLst/>
+                        <a:latin typeface="Calibri" panose="020F0502020204030204" pitchFamily="34" charset="0"/>
+                      </a:endParaRPr>
+                    </a:p>
+                  </a:txBody>
+                  <a:tcPr marL="9525" marR="9525" marT="9525" marB="0" anchor="b"/>
+                </a:tc>
+                <a:tc>
+                  <a:txBody>
+                    <a:bodyPr/>
+                    <a:lstStyle/>
+                    <a:p>
+                      <a:pPr algn="r" fontAlgn="b"/>
+                      <a:r>
+                        <a:rPr lang="en-IN" sz="1100" u="none" strike="noStrike">
+                          <a:effectLst/>
+                        </a:rPr>
+                        <a:t>477463.124</a:t>
+                      </a:r>
+                      <a:endParaRPr lang="en-IN" sz="1100" b="1" i="0" u="none" strike="noStrike">
+                        <a:solidFill>
+                          <a:srgbClr val="000000"/>
+                        </a:solidFill>
+                        <a:effectLst/>
+                        <a:latin typeface="Calibri" panose="020F0502020204030204" pitchFamily="34" charset="0"/>
+                      </a:endParaRPr>
+                    </a:p>
+                  </a:txBody>
+                  <a:tcPr marL="9525" marR="9525" marT="9525" marB="0" anchor="b"/>
+                </a:tc>
+                <a:tc>
+                  <a:txBody>
+                    <a:bodyPr/>
+                    <a:lstStyle/>
+                    <a:p>
+                      <a:pPr algn="r" fontAlgn="b"/>
+                      <a:r>
+                        <a:rPr lang="en-IN" sz="1100" u="none" strike="noStrike">
+                          <a:effectLst/>
+                        </a:rPr>
+                        <a:t>195125.0531</a:t>
+                      </a:r>
+                      <a:endParaRPr lang="en-IN" sz="1100" b="1" i="0" u="none" strike="noStrike">
+                        <a:solidFill>
+                          <a:srgbClr val="000000"/>
+                        </a:solidFill>
+                        <a:effectLst/>
+                        <a:latin typeface="Calibri" panose="020F0502020204030204" pitchFamily="34" charset="0"/>
+                      </a:endParaRPr>
+                    </a:p>
+                  </a:txBody>
+                  <a:tcPr marL="9525" marR="9525" marT="9525" marB="0" anchor="b"/>
+                </a:tc>
+                <a:tc>
+                  <a:txBody>
+                    <a:bodyPr/>
+                    <a:lstStyle/>
+                    <a:p>
+                      <a:pPr algn="r" fontAlgn="b"/>
+                      <a:r>
+                        <a:rPr lang="en-IN" sz="1100" u="none" strike="noStrike" dirty="0">
+                          <a:effectLst/>
+                        </a:rPr>
+                        <a:t>1578872.315</a:t>
+                      </a:r>
+                      <a:endParaRPr lang="en-IN" sz="1100" b="1" i="0" u="none" strike="noStrike" dirty="0">
+                        <a:solidFill>
+                          <a:srgbClr val="000000"/>
+                        </a:solidFill>
+                        <a:effectLst/>
+                        <a:latin typeface="Calibri" panose="020F0502020204030204" pitchFamily="34" charset="0"/>
+                      </a:endParaRPr>
+                    </a:p>
+                  </a:txBody>
+                  <a:tcPr marL="9525" marR="9525" marT="9525" marB="0" anchor="b"/>
+                </a:tc>
+                <a:extLst>
+                  <a:ext uri="{0D108BD9-81ED-4DB2-BD59-A6C34878D82A}">
+                    <a16:rowId xmlns:a16="http://schemas.microsoft.com/office/drawing/2014/main" val="2846483617"/>
+                  </a:ext>
+                </a:extLst>
+              </a:tr>
+            </a:tbl>
+          </a:graphicData>
+        </a:graphic>
+      </p:graphicFrame>
+      <p:graphicFrame>
+        <p:nvGraphicFramePr>
+          <p:cNvPr id="10" name="Chart 9"/>
+          <p:cNvGraphicFramePr>
+            <a:graphicFrameLocks/>
+          </p:cNvGraphicFramePr>
+          <p:nvPr>
+            <p:extLst>
+              <p:ext uri="{D42A27DB-BD31-4B8C-83A1-F6EECF244321}">
+                <p14:modId xmlns:p14="http://schemas.microsoft.com/office/powerpoint/2010/main" val="1236468119"/>
+              </p:ext>
+            </p:extLst>
+          </p:nvPr>
+        </p:nvGraphicFramePr>
+        <p:xfrm>
+          <a:off x="747837" y="2745988"/>
+          <a:ext cx="4196541" cy="3899287"/>
+        </p:xfrm>
+        <a:graphic>
+          <a:graphicData uri="http://schemas.openxmlformats.org/drawingml/2006/chart">
+            <c:chart xmlns:c="http://schemas.openxmlformats.org/drawingml/2006/chart" xmlns:r="http://schemas.openxmlformats.org/officeDocument/2006/relationships" r:id="rId3"/>
+          </a:graphicData>
+        </a:graphic>
+      </p:graphicFrame>
+      <p:graphicFrame>
+        <p:nvGraphicFramePr>
+          <p:cNvPr id="11" name="Table 10"/>
+          <p:cNvGraphicFramePr>
+            <a:graphicFrameLocks noGrp="1"/>
+          </p:cNvGraphicFramePr>
+          <p:nvPr>
+            <p:extLst>
+              <p:ext uri="{D42A27DB-BD31-4B8C-83A1-F6EECF244321}">
+                <p14:modId xmlns:p14="http://schemas.microsoft.com/office/powerpoint/2010/main" val="2258972712"/>
+              </p:ext>
+            </p:extLst>
+          </p:nvPr>
+        </p:nvGraphicFramePr>
+        <p:xfrm>
+          <a:off x="5148949" y="3810002"/>
+          <a:ext cx="4385576" cy="2133405"/>
+        </p:xfrm>
+        <a:graphic>
+          <a:graphicData uri="http://schemas.openxmlformats.org/drawingml/2006/table">
+            <a:tbl>
+              <a:tblPr>
+                <a:tableStyleId>{5C22544A-7EE6-4342-B048-85BDC9FD1C3A}</a:tableStyleId>
+              </a:tblPr>
+              <a:tblGrid>
+                <a:gridCol w="688788">
+                  <a:extLst>
+                    <a:ext uri="{9D8B030D-6E8A-4147-A177-3AD203B41FA5}">
+                      <a16:colId xmlns:a16="http://schemas.microsoft.com/office/drawing/2014/main" val="3282123613"/>
+                    </a:ext>
+                  </a:extLst>
+                </a:gridCol>
+                <a:gridCol w="723664">
+                  <a:extLst>
+                    <a:ext uri="{9D8B030D-6E8A-4147-A177-3AD203B41FA5}">
+                      <a16:colId xmlns:a16="http://schemas.microsoft.com/office/drawing/2014/main" val="1626081163"/>
+                    </a:ext>
+                  </a:extLst>
+                </a:gridCol>
+                <a:gridCol w="584162">
+                  <a:extLst>
+                    <a:ext uri="{9D8B030D-6E8A-4147-A177-3AD203B41FA5}">
+                      <a16:colId xmlns:a16="http://schemas.microsoft.com/office/drawing/2014/main" val="1604472528"/>
+                    </a:ext>
+                  </a:extLst>
+                </a:gridCol>
+                <a:gridCol w="584162">
+                  <a:extLst>
+                    <a:ext uri="{9D8B030D-6E8A-4147-A177-3AD203B41FA5}">
+                      <a16:colId xmlns:a16="http://schemas.microsoft.com/office/drawing/2014/main" val="640447161"/>
+                    </a:ext>
+                  </a:extLst>
+                </a:gridCol>
+                <a:gridCol w="584162">
+                  <a:extLst>
+                    <a:ext uri="{9D8B030D-6E8A-4147-A177-3AD203B41FA5}">
+                      <a16:colId xmlns:a16="http://schemas.microsoft.com/office/drawing/2014/main" val="530285799"/>
+                    </a:ext>
+                  </a:extLst>
+                </a:gridCol>
+                <a:gridCol w="636476">
+                  <a:extLst>
+                    <a:ext uri="{9D8B030D-6E8A-4147-A177-3AD203B41FA5}">
+                      <a16:colId xmlns:a16="http://schemas.microsoft.com/office/drawing/2014/main" val="3227477996"/>
+                    </a:ext>
+                  </a:extLst>
+                </a:gridCol>
+                <a:gridCol w="584162">
+                  <a:extLst>
+                    <a:ext uri="{9D8B030D-6E8A-4147-A177-3AD203B41FA5}">
+                      <a16:colId xmlns:a16="http://schemas.microsoft.com/office/drawing/2014/main" val="2998195868"/>
+                    </a:ext>
+                  </a:extLst>
+                </a:gridCol>
+              </a:tblGrid>
+              <a:tr h="426681">
+                <a:tc>
+                  <a:txBody>
+                    <a:bodyPr/>
+                    <a:lstStyle/>
+                    <a:p>
+                      <a:pPr algn="l" fontAlgn="b"/>
+                      <a:r>
+                        <a:rPr lang="en-IN" sz="1100" u="none" strike="noStrike">
+                          <a:effectLst/>
+                        </a:rPr>
+                        <a:t>Sum of SALARY</a:t>
+                      </a:r>
+                      <a:endParaRPr lang="en-IN" sz="1100" b="1" i="0" u="none" strike="noStrike">
+                        <a:solidFill>
+                          <a:srgbClr val="000000"/>
+                        </a:solidFill>
+                        <a:effectLst/>
+                        <a:latin typeface="Calibri" panose="020F0502020204030204" pitchFamily="34" charset="0"/>
+                      </a:endParaRPr>
+                    </a:p>
+                  </a:txBody>
+                  <a:tcPr marL="9525" marR="9525" marT="9525" marB="0" anchor="b"/>
+                </a:tc>
+                <a:tc>
+                  <a:txBody>
+                    <a:bodyPr/>
+                    <a:lstStyle/>
+                    <a:p>
+                      <a:pPr algn="l" fontAlgn="b"/>
+                      <a:r>
+                        <a:rPr lang="en-IN" sz="1100" u="none" strike="noStrike">
+                          <a:effectLst/>
+                        </a:rPr>
+                        <a:t>DEPARTMENT</a:t>
+                      </a:r>
+                      <a:endParaRPr lang="en-IN" sz="1100" b="1" i="0" u="none" strike="noStrike">
+                        <a:solidFill>
+                          <a:srgbClr val="000000"/>
+                        </a:solidFill>
+                        <a:effectLst/>
+                        <a:latin typeface="Calibri" panose="020F0502020204030204" pitchFamily="34" charset="0"/>
+                      </a:endParaRPr>
+                    </a:p>
+                  </a:txBody>
+                  <a:tcPr marL="9525" marR="9525" marT="9525" marB="0" anchor="b"/>
+                </a:tc>
+                <a:tc>
+                  <a:txBody>
+                    <a:bodyPr/>
+                    <a:lstStyle/>
+                    <a:p>
+                      <a:pPr algn="l" fontAlgn="b"/>
+                      <a:endParaRPr lang="en-IN" sz="1100" b="1" i="0" u="none" strike="noStrike">
+                        <a:solidFill>
+                          <a:srgbClr val="000000"/>
+                        </a:solidFill>
+                        <a:effectLst/>
+                        <a:latin typeface="Calibri" panose="020F0502020204030204" pitchFamily="34" charset="0"/>
+                      </a:endParaRPr>
+                    </a:p>
+                  </a:txBody>
+                  <a:tcPr marL="9525" marR="9525" marT="9525" marB="0" anchor="b"/>
+                </a:tc>
+                <a:tc>
+                  <a:txBody>
+                    <a:bodyPr/>
+                    <a:lstStyle/>
+                    <a:p>
+                      <a:pPr algn="l" fontAlgn="b"/>
+                      <a:endParaRPr lang="en-IN" sz="1100" b="1" i="0" u="none" strike="noStrike">
+                        <a:solidFill>
+                          <a:srgbClr val="000000"/>
+                        </a:solidFill>
+                        <a:effectLst/>
+                        <a:latin typeface="Calibri" panose="020F0502020204030204" pitchFamily="34" charset="0"/>
+                      </a:endParaRPr>
+                    </a:p>
+                  </a:txBody>
+                  <a:tcPr marL="9525" marR="9525" marT="9525" marB="0" anchor="b"/>
+                </a:tc>
+                <a:tc>
+                  <a:txBody>
+                    <a:bodyPr/>
+                    <a:lstStyle/>
+                    <a:p>
+                      <a:pPr algn="l" fontAlgn="b"/>
+                      <a:endParaRPr lang="en-IN" sz="1100" b="1" i="0" u="none" strike="noStrike" dirty="0">
+                        <a:solidFill>
+                          <a:srgbClr val="000000"/>
+                        </a:solidFill>
+                        <a:effectLst/>
+                        <a:latin typeface="Calibri" panose="020F0502020204030204" pitchFamily="34" charset="0"/>
+                      </a:endParaRPr>
+                    </a:p>
+                  </a:txBody>
+                  <a:tcPr marL="9525" marR="9525" marT="9525" marB="0" anchor="b"/>
+                </a:tc>
+                <a:tc>
+                  <a:txBody>
+                    <a:bodyPr/>
+                    <a:lstStyle/>
+                    <a:p>
+                      <a:pPr algn="l" fontAlgn="b"/>
+                      <a:endParaRPr lang="en-IN" sz="1100" b="1" i="0" u="none" strike="noStrike" dirty="0">
+                        <a:solidFill>
+                          <a:srgbClr val="000000"/>
+                        </a:solidFill>
+                        <a:effectLst/>
+                        <a:latin typeface="Calibri" panose="020F0502020204030204" pitchFamily="34" charset="0"/>
+                      </a:endParaRPr>
+                    </a:p>
+                  </a:txBody>
+                  <a:tcPr marL="9525" marR="9525" marT="9525" marB="0" anchor="b"/>
+                </a:tc>
+                <a:tc>
+                  <a:txBody>
+                    <a:bodyPr/>
+                    <a:lstStyle/>
+                    <a:p>
+                      <a:pPr algn="l" fontAlgn="b"/>
+                      <a:endParaRPr lang="en-IN" sz="1100" b="1" i="0" u="none" strike="noStrike">
+                        <a:solidFill>
+                          <a:srgbClr val="000000"/>
+                        </a:solidFill>
+                        <a:effectLst/>
+                        <a:latin typeface="Calibri" panose="020F0502020204030204" pitchFamily="34" charset="0"/>
+                      </a:endParaRPr>
+                    </a:p>
+                  </a:txBody>
+                  <a:tcPr marL="9525" marR="9525" marT="9525" marB="0" anchor="b"/>
+                </a:tc>
+                <a:extLst>
+                  <a:ext uri="{0D108BD9-81ED-4DB2-BD59-A6C34878D82A}">
+                    <a16:rowId xmlns:a16="http://schemas.microsoft.com/office/drawing/2014/main" val="2700590183"/>
+                  </a:ext>
+                </a:extLst>
+              </a:tr>
+              <a:tr h="426681">
+                <a:tc>
+                  <a:txBody>
+                    <a:bodyPr/>
+                    <a:lstStyle/>
+                    <a:p>
+                      <a:pPr algn="l" fontAlgn="b"/>
+                      <a:r>
+                        <a:rPr lang="en-IN" sz="1100" u="none" strike="noStrike">
+                          <a:effectLst/>
+                        </a:rPr>
+                        <a:t>COMPANY</a:t>
+                      </a:r>
+                      <a:endParaRPr lang="en-IN" sz="1100" b="1" i="0" u="none" strike="noStrike">
+                        <a:solidFill>
+                          <a:srgbClr val="000000"/>
+                        </a:solidFill>
+                        <a:effectLst/>
+                        <a:latin typeface="Calibri" panose="020F0502020204030204" pitchFamily="34" charset="0"/>
+                      </a:endParaRPr>
+                    </a:p>
+                  </a:txBody>
+                  <a:tcPr marL="9525" marR="9525" marT="9525" marB="0" anchor="b"/>
+                </a:tc>
+                <a:tc>
+                  <a:txBody>
+                    <a:bodyPr/>
+                    <a:lstStyle/>
+                    <a:p>
+                      <a:pPr algn="l" fontAlgn="b"/>
+                      <a:r>
+                        <a:rPr lang="en-IN" sz="1100" u="none" strike="noStrike">
+                          <a:effectLst/>
+                        </a:rPr>
+                        <a:t>AI</a:t>
+                      </a:r>
+                      <a:endParaRPr lang="en-IN" sz="1100" b="1" i="0" u="none" strike="noStrike">
+                        <a:solidFill>
+                          <a:srgbClr val="000000"/>
+                        </a:solidFill>
+                        <a:effectLst/>
+                        <a:latin typeface="Calibri" panose="020F0502020204030204" pitchFamily="34" charset="0"/>
+                      </a:endParaRPr>
+                    </a:p>
+                  </a:txBody>
+                  <a:tcPr marL="9525" marR="9525" marT="9525" marB="0" anchor="b"/>
+                </a:tc>
+                <a:tc>
+                  <a:txBody>
+                    <a:bodyPr/>
+                    <a:lstStyle/>
+                    <a:p>
+                      <a:pPr algn="l" fontAlgn="b"/>
+                      <a:r>
+                        <a:rPr lang="en-IN" sz="1100" u="none" strike="noStrike">
+                          <a:effectLst/>
+                        </a:rPr>
+                        <a:t>BigData</a:t>
+                      </a:r>
+                      <a:endParaRPr lang="en-IN" sz="1100" b="1" i="0" u="none" strike="noStrike">
+                        <a:solidFill>
+                          <a:srgbClr val="000000"/>
+                        </a:solidFill>
+                        <a:effectLst/>
+                        <a:latin typeface="Calibri" panose="020F0502020204030204" pitchFamily="34" charset="0"/>
+                      </a:endParaRPr>
+                    </a:p>
+                  </a:txBody>
+                  <a:tcPr marL="9525" marR="9525" marT="9525" marB="0" anchor="b"/>
+                </a:tc>
+                <a:tc>
+                  <a:txBody>
+                    <a:bodyPr/>
+                    <a:lstStyle/>
+                    <a:p>
+                      <a:pPr algn="l" fontAlgn="b"/>
+                      <a:r>
+                        <a:rPr lang="en-IN" sz="1100" u="none" strike="noStrike">
+                          <a:effectLst/>
+                        </a:rPr>
+                        <a:t>Design</a:t>
+                      </a:r>
+                      <a:endParaRPr lang="en-IN" sz="1100" b="1" i="0" u="none" strike="noStrike">
+                        <a:solidFill>
+                          <a:srgbClr val="000000"/>
+                        </a:solidFill>
+                        <a:effectLst/>
+                        <a:latin typeface="Calibri" panose="020F0502020204030204" pitchFamily="34" charset="0"/>
+                      </a:endParaRPr>
+                    </a:p>
+                  </a:txBody>
+                  <a:tcPr marL="9525" marR="9525" marT="9525" marB="0" anchor="b"/>
+                </a:tc>
+                <a:tc>
+                  <a:txBody>
+                    <a:bodyPr/>
+                    <a:lstStyle/>
+                    <a:p>
+                      <a:pPr algn="l" fontAlgn="b"/>
+                      <a:r>
+                        <a:rPr lang="en-IN" sz="1100" u="none" strike="noStrike" dirty="0">
+                          <a:effectLst/>
+                        </a:rPr>
+                        <a:t>Sales</a:t>
+                      </a:r>
+                      <a:endParaRPr lang="en-IN" sz="1100" b="1" i="0" u="none" strike="noStrike" dirty="0">
+                        <a:solidFill>
+                          <a:srgbClr val="000000"/>
+                        </a:solidFill>
+                        <a:effectLst/>
+                        <a:latin typeface="Calibri" panose="020F0502020204030204" pitchFamily="34" charset="0"/>
+                      </a:endParaRPr>
+                    </a:p>
+                  </a:txBody>
+                  <a:tcPr marL="9525" marR="9525" marT="9525" marB="0" anchor="b"/>
+                </a:tc>
+                <a:tc>
+                  <a:txBody>
+                    <a:bodyPr/>
+                    <a:lstStyle/>
+                    <a:p>
+                      <a:pPr algn="l" fontAlgn="b"/>
+                      <a:r>
+                        <a:rPr lang="en-IN" sz="1100" u="none" strike="noStrike" dirty="0">
+                          <a:effectLst/>
+                        </a:rPr>
+                        <a:t>Search Engine</a:t>
+                      </a:r>
+                      <a:endParaRPr lang="en-IN" sz="1100" b="1" i="0" u="none" strike="noStrike" dirty="0">
+                        <a:solidFill>
+                          <a:srgbClr val="000000"/>
+                        </a:solidFill>
+                        <a:effectLst/>
+                        <a:latin typeface="Calibri" panose="020F0502020204030204" pitchFamily="34" charset="0"/>
+                      </a:endParaRPr>
+                    </a:p>
+                  </a:txBody>
+                  <a:tcPr marL="9525" marR="9525" marT="9525" marB="0" anchor="b"/>
+                </a:tc>
+                <a:tc>
+                  <a:txBody>
+                    <a:bodyPr/>
+                    <a:lstStyle/>
+                    <a:p>
+                      <a:pPr algn="l" fontAlgn="b"/>
+                      <a:r>
+                        <a:rPr lang="en-IN" sz="1100" u="none" strike="noStrike">
+                          <a:effectLst/>
+                        </a:rPr>
+                        <a:t>Support</a:t>
+                      </a:r>
+                      <a:endParaRPr lang="en-IN" sz="1100" b="1" i="0" u="none" strike="noStrike">
+                        <a:solidFill>
+                          <a:srgbClr val="000000"/>
+                        </a:solidFill>
+                        <a:effectLst/>
+                        <a:latin typeface="Calibri" panose="020F0502020204030204" pitchFamily="34" charset="0"/>
+                      </a:endParaRPr>
+                    </a:p>
+                  </a:txBody>
+                  <a:tcPr marL="9525" marR="9525" marT="9525" marB="0" anchor="b"/>
+                </a:tc>
+                <a:extLst>
+                  <a:ext uri="{0D108BD9-81ED-4DB2-BD59-A6C34878D82A}">
+                    <a16:rowId xmlns:a16="http://schemas.microsoft.com/office/drawing/2014/main" val="2776831448"/>
+                  </a:ext>
+                </a:extLst>
+              </a:tr>
+              <a:tr h="426681">
+                <a:tc>
+                  <a:txBody>
+                    <a:bodyPr/>
+                    <a:lstStyle/>
+                    <a:p>
+                      <a:pPr algn="l" fontAlgn="b"/>
+                      <a:r>
+                        <a:rPr lang="en-IN" sz="1100" u="none" strike="noStrike">
+                          <a:effectLst/>
+                        </a:rPr>
+                        <a:t>Cheerper</a:t>
+                      </a:r>
+                      <a:endParaRPr lang="en-IN" sz="1100" b="0" i="0" u="none" strike="noStrike">
+                        <a:solidFill>
+                          <a:srgbClr val="000000"/>
+                        </a:solidFill>
+                        <a:effectLst/>
+                        <a:latin typeface="Calibri" panose="020F0502020204030204" pitchFamily="34" charset="0"/>
+                      </a:endParaRPr>
+                    </a:p>
+                  </a:txBody>
+                  <a:tcPr marL="9525" marR="9525" marT="9525" marB="0" anchor="b"/>
+                </a:tc>
+                <a:tc>
+                  <a:txBody>
+                    <a:bodyPr/>
+                    <a:lstStyle/>
+                    <a:p>
+                      <a:pPr algn="l" fontAlgn="b"/>
+                      <a:endParaRPr lang="en-IN" sz="1100" b="0" i="0" u="none" strike="noStrike">
+                        <a:solidFill>
+                          <a:srgbClr val="000000"/>
+                        </a:solidFill>
+                        <a:effectLst/>
+                        <a:latin typeface="Calibri" panose="020F0502020204030204" pitchFamily="34" charset="0"/>
+                      </a:endParaRPr>
+                    </a:p>
+                  </a:txBody>
+                  <a:tcPr marL="9525" marR="9525" marT="9525" marB="0" anchor="b"/>
+                </a:tc>
+                <a:tc>
+                  <a:txBody>
+                    <a:bodyPr/>
+                    <a:lstStyle/>
+                    <a:p>
+                      <a:pPr algn="r" fontAlgn="b"/>
+                      <a:r>
+                        <a:rPr lang="en-IN" sz="1100" u="none" strike="noStrike">
+                          <a:effectLst/>
+                        </a:rPr>
+                        <a:t>119684.9133</a:t>
+                      </a:r>
+                      <a:endParaRPr lang="en-IN" sz="1100" b="0" i="0" u="none" strike="noStrike">
+                        <a:solidFill>
+                          <a:srgbClr val="000000"/>
+                        </a:solidFill>
+                        <a:effectLst/>
+                        <a:latin typeface="Calibri" panose="020F0502020204030204" pitchFamily="34" charset="0"/>
+                      </a:endParaRPr>
+                    </a:p>
+                  </a:txBody>
+                  <a:tcPr marL="9525" marR="9525" marT="9525" marB="0" anchor="b"/>
+                </a:tc>
+                <a:tc>
+                  <a:txBody>
+                    <a:bodyPr/>
+                    <a:lstStyle/>
+                    <a:p>
+                      <a:pPr algn="l" fontAlgn="b"/>
+                      <a:endParaRPr lang="en-IN" sz="1100" b="0" i="0" u="none" strike="noStrike">
+                        <a:solidFill>
+                          <a:srgbClr val="000000"/>
+                        </a:solidFill>
+                        <a:effectLst/>
+                        <a:latin typeface="Calibri" panose="020F0502020204030204" pitchFamily="34" charset="0"/>
+                      </a:endParaRPr>
+                    </a:p>
+                  </a:txBody>
+                  <a:tcPr marL="9525" marR="9525" marT="9525" marB="0" anchor="b"/>
+                </a:tc>
+                <a:tc>
+                  <a:txBody>
+                    <a:bodyPr/>
+                    <a:lstStyle/>
+                    <a:p>
+                      <a:pPr algn="l" fontAlgn="b"/>
+                      <a:endParaRPr lang="en-IN" sz="1100" b="0" i="0" u="none" strike="noStrike">
+                        <a:solidFill>
+                          <a:srgbClr val="000000"/>
+                        </a:solidFill>
+                        <a:effectLst/>
+                        <a:latin typeface="Calibri" panose="020F0502020204030204" pitchFamily="34" charset="0"/>
+                      </a:endParaRPr>
+                    </a:p>
+                  </a:txBody>
+                  <a:tcPr marL="9525" marR="9525" marT="9525" marB="0" anchor="b"/>
+                </a:tc>
+                <a:tc>
+                  <a:txBody>
+                    <a:bodyPr/>
+                    <a:lstStyle/>
+                    <a:p>
+                      <a:pPr algn="r" fontAlgn="b"/>
+                      <a:r>
+                        <a:rPr lang="en-IN" sz="1100" u="none" strike="noStrike" dirty="0">
+                          <a:effectLst/>
+                        </a:rPr>
+                        <a:t>106540.1545</a:t>
+                      </a:r>
+                      <a:endParaRPr lang="en-IN" sz="1100" b="0" i="0" u="none" strike="noStrike" dirty="0">
+                        <a:solidFill>
+                          <a:srgbClr val="000000"/>
+                        </a:solidFill>
+                        <a:effectLst/>
+                        <a:latin typeface="Calibri" panose="020F0502020204030204" pitchFamily="34" charset="0"/>
+                      </a:endParaRPr>
+                    </a:p>
+                  </a:txBody>
+                  <a:tcPr marL="9525" marR="9525" marT="9525" marB="0" anchor="b"/>
+                </a:tc>
+                <a:tc>
+                  <a:txBody>
+                    <a:bodyPr/>
+                    <a:lstStyle/>
+                    <a:p>
+                      <a:pPr algn="r" fontAlgn="b"/>
+                      <a:r>
+                        <a:rPr lang="en-IN" sz="1100" u="none" strike="noStrike">
+                          <a:effectLst/>
+                        </a:rPr>
+                        <a:t>155125.0531</a:t>
+                      </a:r>
+                      <a:endParaRPr lang="en-IN" sz="1100" b="0" i="0" u="none" strike="noStrike">
+                        <a:solidFill>
+                          <a:srgbClr val="000000"/>
+                        </a:solidFill>
+                        <a:effectLst/>
+                        <a:latin typeface="Calibri" panose="020F0502020204030204" pitchFamily="34" charset="0"/>
+                      </a:endParaRPr>
+                    </a:p>
+                  </a:txBody>
+                  <a:tcPr marL="9525" marR="9525" marT="9525" marB="0" anchor="b"/>
+                </a:tc>
+                <a:extLst>
+                  <a:ext uri="{0D108BD9-81ED-4DB2-BD59-A6C34878D82A}">
+                    <a16:rowId xmlns:a16="http://schemas.microsoft.com/office/drawing/2014/main" val="1832955406"/>
+                  </a:ext>
+                </a:extLst>
+              </a:tr>
+              <a:tr h="426681">
+                <a:tc>
+                  <a:txBody>
+                    <a:bodyPr/>
+                    <a:lstStyle/>
+                    <a:p>
+                      <a:pPr algn="l" fontAlgn="b"/>
+                      <a:r>
+                        <a:rPr lang="en-IN" sz="1100" u="none" strike="noStrike">
+                          <a:effectLst/>
+                        </a:rPr>
+                        <a:t>Glasses</a:t>
+                      </a:r>
+                      <a:endParaRPr lang="en-IN" sz="1100" b="0" i="0" u="none" strike="noStrike">
+                        <a:solidFill>
+                          <a:srgbClr val="000000"/>
+                        </a:solidFill>
+                        <a:effectLst/>
+                        <a:latin typeface="Calibri" panose="020F0502020204030204" pitchFamily="34" charset="0"/>
+                      </a:endParaRPr>
+                    </a:p>
+                  </a:txBody>
+                  <a:tcPr marL="9525" marR="9525" marT="9525" marB="0" anchor="b"/>
+                </a:tc>
+                <a:tc>
+                  <a:txBody>
+                    <a:bodyPr/>
+                    <a:lstStyle/>
+                    <a:p>
+                      <a:pPr algn="r" fontAlgn="b"/>
+                      <a:r>
+                        <a:rPr lang="en-IN" sz="1100" u="none" strike="noStrike">
+                          <a:effectLst/>
+                        </a:rPr>
+                        <a:t>49092.14746</a:t>
+                      </a:r>
+                      <a:endParaRPr lang="en-IN" sz="1100" b="0" i="0" u="none" strike="noStrike">
+                        <a:solidFill>
+                          <a:srgbClr val="000000"/>
+                        </a:solidFill>
+                        <a:effectLst/>
+                        <a:latin typeface="Calibri" panose="020F0502020204030204" pitchFamily="34" charset="0"/>
+                      </a:endParaRPr>
+                    </a:p>
+                  </a:txBody>
+                  <a:tcPr marL="9525" marR="9525" marT="9525" marB="0" anchor="b"/>
+                </a:tc>
+                <a:tc>
+                  <a:txBody>
+                    <a:bodyPr/>
+                    <a:lstStyle/>
+                    <a:p>
+                      <a:pPr algn="r" fontAlgn="b"/>
+                      <a:r>
+                        <a:rPr lang="en-IN" sz="1100" u="none" strike="noStrike">
+                          <a:effectLst/>
+                        </a:rPr>
+                        <a:t>68074.97135</a:t>
+                      </a:r>
+                      <a:endParaRPr lang="en-IN" sz="1100" b="0" i="0" u="none" strike="noStrike">
+                        <a:solidFill>
+                          <a:srgbClr val="000000"/>
+                        </a:solidFill>
+                        <a:effectLst/>
+                        <a:latin typeface="Calibri" panose="020F0502020204030204" pitchFamily="34" charset="0"/>
+                      </a:endParaRPr>
+                    </a:p>
+                  </a:txBody>
+                  <a:tcPr marL="9525" marR="9525" marT="9525" marB="0" anchor="b"/>
+                </a:tc>
+                <a:tc>
+                  <a:txBody>
+                    <a:bodyPr/>
+                    <a:lstStyle/>
+                    <a:p>
+                      <a:pPr algn="r" fontAlgn="b"/>
+                      <a:r>
+                        <a:rPr lang="en-IN" sz="1100" u="none" strike="noStrike">
+                          <a:effectLst/>
+                        </a:rPr>
+                        <a:t>328435.8747</a:t>
+                      </a:r>
+                      <a:endParaRPr lang="en-IN" sz="1100" b="0" i="0" u="none" strike="noStrike">
+                        <a:solidFill>
+                          <a:srgbClr val="000000"/>
+                        </a:solidFill>
+                        <a:effectLst/>
+                        <a:latin typeface="Calibri" panose="020F0502020204030204" pitchFamily="34" charset="0"/>
+                      </a:endParaRPr>
+                    </a:p>
+                  </a:txBody>
+                  <a:tcPr marL="9525" marR="9525" marT="9525" marB="0" anchor="b"/>
+                </a:tc>
+                <a:tc>
+                  <a:txBody>
+                    <a:bodyPr/>
+                    <a:lstStyle/>
+                    <a:p>
+                      <a:pPr algn="l" fontAlgn="b"/>
+                      <a:endParaRPr lang="en-IN" sz="1100" b="0" i="0" u="none" strike="noStrike">
+                        <a:solidFill>
+                          <a:srgbClr val="000000"/>
+                        </a:solidFill>
+                        <a:effectLst/>
+                        <a:latin typeface="Calibri" panose="020F0502020204030204" pitchFamily="34" charset="0"/>
+                      </a:endParaRPr>
+                    </a:p>
+                  </a:txBody>
+                  <a:tcPr marL="9525" marR="9525" marT="9525" marB="0" anchor="b"/>
+                </a:tc>
+                <a:tc>
+                  <a:txBody>
+                    <a:bodyPr/>
+                    <a:lstStyle/>
+                    <a:p>
+                      <a:pPr algn="r" fontAlgn="b"/>
+                      <a:r>
+                        <a:rPr lang="en-IN" sz="1100" u="none" strike="noStrike" dirty="0">
+                          <a:effectLst/>
+                        </a:rPr>
+                        <a:t>370922.9695</a:t>
+                      </a:r>
+                      <a:endParaRPr lang="en-IN" sz="1100" b="0" i="0" u="none" strike="noStrike" dirty="0">
+                        <a:solidFill>
+                          <a:srgbClr val="000000"/>
+                        </a:solidFill>
+                        <a:effectLst/>
+                        <a:latin typeface="Calibri" panose="020F0502020204030204" pitchFamily="34" charset="0"/>
+                      </a:endParaRPr>
+                    </a:p>
+                  </a:txBody>
+                  <a:tcPr marL="9525" marR="9525" marT="9525" marB="0" anchor="b"/>
+                </a:tc>
+                <a:tc>
+                  <a:txBody>
+                    <a:bodyPr/>
+                    <a:lstStyle/>
+                    <a:p>
+                      <a:pPr algn="r" fontAlgn="b"/>
+                      <a:r>
+                        <a:rPr lang="en-IN" sz="1100" u="none" strike="noStrike">
+                          <a:effectLst/>
+                        </a:rPr>
+                        <a:t>40000</a:t>
+                      </a:r>
+                      <a:endParaRPr lang="en-IN" sz="1100" b="0" i="0" u="none" strike="noStrike">
+                        <a:solidFill>
+                          <a:srgbClr val="000000"/>
+                        </a:solidFill>
+                        <a:effectLst/>
+                        <a:latin typeface="Calibri" panose="020F0502020204030204" pitchFamily="34" charset="0"/>
+                      </a:endParaRPr>
+                    </a:p>
+                  </a:txBody>
+                  <a:tcPr marL="9525" marR="9525" marT="9525" marB="0" anchor="b"/>
+                </a:tc>
+                <a:extLst>
+                  <a:ext uri="{0D108BD9-81ED-4DB2-BD59-A6C34878D82A}">
+                    <a16:rowId xmlns:a16="http://schemas.microsoft.com/office/drawing/2014/main" val="2390500291"/>
+                  </a:ext>
+                </a:extLst>
+              </a:tr>
+              <a:tr h="426681">
+                <a:tc>
+                  <a:txBody>
+                    <a:bodyPr/>
+                    <a:lstStyle/>
+                    <a:p>
+                      <a:pPr algn="l" fontAlgn="b"/>
+                      <a:r>
+                        <a:rPr lang="en-IN" sz="1100" u="none" strike="noStrike">
+                          <a:effectLst/>
+                        </a:rPr>
+                        <a:t>Pear</a:t>
+                      </a:r>
+                      <a:endParaRPr lang="en-IN" sz="1100" b="0" i="0" u="none" strike="noStrike">
+                        <a:solidFill>
+                          <a:srgbClr val="000000"/>
+                        </a:solidFill>
+                        <a:effectLst/>
+                        <a:latin typeface="Calibri" panose="020F0502020204030204" pitchFamily="34" charset="0"/>
+                      </a:endParaRPr>
+                    </a:p>
+                  </a:txBody>
+                  <a:tcPr marL="9525" marR="9525" marT="9525" marB="0" anchor="b"/>
+                </a:tc>
+                <a:tc>
+                  <a:txBody>
+                    <a:bodyPr/>
+                    <a:lstStyle/>
+                    <a:p>
+                      <a:pPr algn="l" fontAlgn="b"/>
+                      <a:endParaRPr lang="en-IN" sz="1100" b="0" i="0" u="none" strike="noStrike">
+                        <a:solidFill>
+                          <a:srgbClr val="000000"/>
+                        </a:solidFill>
+                        <a:effectLst/>
+                        <a:latin typeface="Calibri" panose="020F0502020204030204" pitchFamily="34" charset="0"/>
+                      </a:endParaRPr>
+                    </a:p>
+                  </a:txBody>
+                  <a:tcPr marL="9525" marR="9525" marT="9525" marB="0" anchor="b"/>
+                </a:tc>
+                <a:tc>
+                  <a:txBody>
+                    <a:bodyPr/>
+                    <a:lstStyle/>
+                    <a:p>
+                      <a:pPr algn="l" fontAlgn="b"/>
+                      <a:endParaRPr lang="en-IN" sz="1100" b="0" i="0" u="none" strike="noStrike">
+                        <a:solidFill>
+                          <a:srgbClr val="000000"/>
+                        </a:solidFill>
+                        <a:effectLst/>
+                        <a:latin typeface="Calibri" panose="020F0502020204030204" pitchFamily="34" charset="0"/>
+                      </a:endParaRPr>
+                    </a:p>
+                  </a:txBody>
+                  <a:tcPr marL="9525" marR="9525" marT="9525" marB="0" anchor="b"/>
+                </a:tc>
+                <a:tc>
+                  <a:txBody>
+                    <a:bodyPr/>
+                    <a:lstStyle/>
+                    <a:p>
+                      <a:pPr algn="r" fontAlgn="b"/>
+                      <a:r>
+                        <a:rPr lang="en-IN" sz="1100" u="none" strike="noStrike">
+                          <a:effectLst/>
+                        </a:rPr>
+                        <a:t>225350.5971</a:t>
+                      </a:r>
+                      <a:endParaRPr lang="en-IN" sz="1100" b="0" i="0" u="none" strike="noStrike">
+                        <a:solidFill>
+                          <a:srgbClr val="000000"/>
+                        </a:solidFill>
+                        <a:effectLst/>
+                        <a:latin typeface="Calibri" panose="020F0502020204030204" pitchFamily="34" charset="0"/>
+                      </a:endParaRPr>
+                    </a:p>
+                  </a:txBody>
+                  <a:tcPr marL="9525" marR="9525" marT="9525" marB="0" anchor="b"/>
+                </a:tc>
+                <a:tc>
+                  <a:txBody>
+                    <a:bodyPr/>
+                    <a:lstStyle/>
+                    <a:p>
+                      <a:pPr algn="r" fontAlgn="b"/>
+                      <a:r>
+                        <a:rPr lang="en-IN" sz="1100" u="none" strike="noStrike">
+                          <a:effectLst/>
+                        </a:rPr>
+                        <a:t>115645.6338</a:t>
+                      </a:r>
+                      <a:endParaRPr lang="en-IN" sz="1100" b="0" i="0" u="none" strike="noStrike">
+                        <a:solidFill>
+                          <a:srgbClr val="000000"/>
+                        </a:solidFill>
+                        <a:effectLst/>
+                        <a:latin typeface="Calibri" panose="020F0502020204030204" pitchFamily="34" charset="0"/>
+                      </a:endParaRPr>
+                    </a:p>
+                  </a:txBody>
+                  <a:tcPr marL="9525" marR="9525" marT="9525" marB="0" anchor="b"/>
+                </a:tc>
+                <a:tc>
+                  <a:txBody>
+                    <a:bodyPr/>
+                    <a:lstStyle/>
+                    <a:p>
+                      <a:pPr algn="l" fontAlgn="b"/>
+                      <a:endParaRPr lang="en-IN" sz="1100" b="0" i="0" u="none" strike="noStrike" dirty="0">
+                        <a:solidFill>
+                          <a:srgbClr val="000000"/>
+                        </a:solidFill>
+                        <a:effectLst/>
+                        <a:latin typeface="Calibri" panose="020F0502020204030204" pitchFamily="34" charset="0"/>
+                      </a:endParaRPr>
+                    </a:p>
+                  </a:txBody>
+                  <a:tcPr marL="9525" marR="9525" marT="9525" marB="0" anchor="b"/>
+                </a:tc>
+                <a:tc>
+                  <a:txBody>
+                    <a:bodyPr/>
+                    <a:lstStyle/>
+                    <a:p>
+                      <a:pPr algn="l" fontAlgn="b"/>
+                      <a:endParaRPr lang="en-IN" sz="1100" b="0" i="0" u="none" strike="noStrike" dirty="0">
+                        <a:solidFill>
+                          <a:srgbClr val="000000"/>
+                        </a:solidFill>
+                        <a:effectLst/>
+                        <a:latin typeface="Calibri" panose="020F0502020204030204" pitchFamily="34" charset="0"/>
+                      </a:endParaRPr>
+                    </a:p>
+                  </a:txBody>
+                  <a:tcPr marL="9525" marR="9525" marT="9525" marB="0" anchor="b"/>
+                </a:tc>
+                <a:extLst>
+                  <a:ext uri="{0D108BD9-81ED-4DB2-BD59-A6C34878D82A}">
+                    <a16:rowId xmlns:a16="http://schemas.microsoft.com/office/drawing/2014/main" val="2056165524"/>
+                  </a:ext>
+                </a:extLst>
+              </a:tr>
+            </a:tbl>
+          </a:graphicData>
+        </a:graphic>
+      </p:graphicFrame>
     </p:spTree>
   </p:cSld>
   <p:clrMapOvr>
